--- a/RequirementRepport/ActivityDiagram_Ver1.2.pptx
+++ b/RequirementRepport/ActivityDiagram_Ver1.2.pptx
@@ -248,7 +248,7 @@
           <a:p>
             <a:fld id="{17899A3A-EA23-4829-8954-B97CF5164DE9}" type="datetimeFigureOut">
               <a:rPr lang="en-US" smtClean="0"/>
-              <a:t>10/20/2017</a:t>
+              <a:t>10/27/2017</a:t>
             </a:fld>
             <a:endParaRPr lang="en-US" dirty="0"/>
           </a:p>
@@ -290,7 +290,7 @@
           <a:p>
             <a:fld id="{FFFABE7E-E37F-4461-B348-56E0100A0386}" type="slidenum">
               <a:rPr lang="en-US" smtClean="0"/>
-              <a:t>‹N›</a:t>
+              <a:t>‹N°›</a:t>
             </a:fld>
             <a:endParaRPr lang="en-US" dirty="0"/>
           </a:p>
@@ -418,7 +418,7 @@
           <a:p>
             <a:fld id="{17899A3A-EA23-4829-8954-B97CF5164DE9}" type="datetimeFigureOut">
               <a:rPr lang="en-US" smtClean="0"/>
-              <a:t>10/20/2017</a:t>
+              <a:t>10/27/2017</a:t>
             </a:fld>
             <a:endParaRPr lang="en-US" dirty="0"/>
           </a:p>
@@ -460,7 +460,7 @@
           <a:p>
             <a:fld id="{FFFABE7E-E37F-4461-B348-56E0100A0386}" type="slidenum">
               <a:rPr lang="en-US" smtClean="0"/>
-              <a:t>‹N›</a:t>
+              <a:t>‹N°›</a:t>
             </a:fld>
             <a:endParaRPr lang="en-US" dirty="0"/>
           </a:p>
@@ -598,7 +598,7 @@
           <a:p>
             <a:fld id="{17899A3A-EA23-4829-8954-B97CF5164DE9}" type="datetimeFigureOut">
               <a:rPr lang="en-US" smtClean="0"/>
-              <a:t>10/20/2017</a:t>
+              <a:t>10/27/2017</a:t>
             </a:fld>
             <a:endParaRPr lang="en-US" dirty="0"/>
           </a:p>
@@ -640,7 +640,7 @@
           <a:p>
             <a:fld id="{FFFABE7E-E37F-4461-B348-56E0100A0386}" type="slidenum">
               <a:rPr lang="en-US" smtClean="0"/>
-              <a:t>‹N›</a:t>
+              <a:t>‹N°›</a:t>
             </a:fld>
             <a:endParaRPr lang="en-US" dirty="0"/>
           </a:p>
@@ -768,7 +768,7 @@
           <a:p>
             <a:fld id="{17899A3A-EA23-4829-8954-B97CF5164DE9}" type="datetimeFigureOut">
               <a:rPr lang="en-US" smtClean="0"/>
-              <a:t>10/20/2017</a:t>
+              <a:t>10/27/2017</a:t>
             </a:fld>
             <a:endParaRPr lang="en-US" dirty="0"/>
           </a:p>
@@ -810,7 +810,7 @@
           <a:p>
             <a:fld id="{FFFABE7E-E37F-4461-B348-56E0100A0386}" type="slidenum">
               <a:rPr lang="en-US" smtClean="0"/>
-              <a:t>‹N›</a:t>
+              <a:t>‹N°›</a:t>
             </a:fld>
             <a:endParaRPr lang="en-US" dirty="0"/>
           </a:p>
@@ -1012,7 +1012,7 @@
           <a:p>
             <a:fld id="{17899A3A-EA23-4829-8954-B97CF5164DE9}" type="datetimeFigureOut">
               <a:rPr lang="en-US" smtClean="0"/>
-              <a:t>10/20/2017</a:t>
+              <a:t>10/27/2017</a:t>
             </a:fld>
             <a:endParaRPr lang="en-US" dirty="0"/>
           </a:p>
@@ -1054,7 +1054,7 @@
           <a:p>
             <a:fld id="{FFFABE7E-E37F-4461-B348-56E0100A0386}" type="slidenum">
               <a:rPr lang="en-US" smtClean="0"/>
-              <a:t>‹N›</a:t>
+              <a:t>‹N°›</a:t>
             </a:fld>
             <a:endParaRPr lang="en-US" dirty="0"/>
           </a:p>
@@ -1244,7 +1244,7 @@
           <a:p>
             <a:fld id="{17899A3A-EA23-4829-8954-B97CF5164DE9}" type="datetimeFigureOut">
               <a:rPr lang="en-US" smtClean="0"/>
-              <a:t>10/20/2017</a:t>
+              <a:t>10/27/2017</a:t>
             </a:fld>
             <a:endParaRPr lang="en-US" dirty="0"/>
           </a:p>
@@ -1286,7 +1286,7 @@
           <a:p>
             <a:fld id="{FFFABE7E-E37F-4461-B348-56E0100A0386}" type="slidenum">
               <a:rPr lang="en-US" smtClean="0"/>
-              <a:t>‹N›</a:t>
+              <a:t>‹N°›</a:t>
             </a:fld>
             <a:endParaRPr lang="en-US" dirty="0"/>
           </a:p>
@@ -1611,7 +1611,7 @@
           <a:p>
             <a:fld id="{17899A3A-EA23-4829-8954-B97CF5164DE9}" type="datetimeFigureOut">
               <a:rPr lang="en-US" smtClean="0"/>
-              <a:t>10/20/2017</a:t>
+              <a:t>10/27/2017</a:t>
             </a:fld>
             <a:endParaRPr lang="en-US" dirty="0"/>
           </a:p>
@@ -1653,7 +1653,7 @@
           <a:p>
             <a:fld id="{FFFABE7E-E37F-4461-B348-56E0100A0386}" type="slidenum">
               <a:rPr lang="en-US" smtClean="0"/>
-              <a:t>‹N›</a:t>
+              <a:t>‹N°›</a:t>
             </a:fld>
             <a:endParaRPr lang="en-US" dirty="0"/>
           </a:p>
@@ -1729,7 +1729,7 @@
           <a:p>
             <a:fld id="{17899A3A-EA23-4829-8954-B97CF5164DE9}" type="datetimeFigureOut">
               <a:rPr lang="en-US" smtClean="0"/>
-              <a:t>10/20/2017</a:t>
+              <a:t>10/27/2017</a:t>
             </a:fld>
             <a:endParaRPr lang="en-US" dirty="0"/>
           </a:p>
@@ -1771,7 +1771,7 @@
           <a:p>
             <a:fld id="{FFFABE7E-E37F-4461-B348-56E0100A0386}" type="slidenum">
               <a:rPr lang="en-US" smtClean="0"/>
-              <a:t>‹N›</a:t>
+              <a:t>‹N°›</a:t>
             </a:fld>
             <a:endParaRPr lang="en-US" dirty="0"/>
           </a:p>
@@ -1824,7 +1824,7 @@
           <a:p>
             <a:fld id="{17899A3A-EA23-4829-8954-B97CF5164DE9}" type="datetimeFigureOut">
               <a:rPr lang="en-US" smtClean="0"/>
-              <a:t>10/20/2017</a:t>
+              <a:t>10/27/2017</a:t>
             </a:fld>
             <a:endParaRPr lang="en-US" dirty="0"/>
           </a:p>
@@ -1866,7 +1866,7 @@
           <a:p>
             <a:fld id="{FFFABE7E-E37F-4461-B348-56E0100A0386}" type="slidenum">
               <a:rPr lang="en-US" smtClean="0"/>
-              <a:t>‹N›</a:t>
+              <a:t>‹N°›</a:t>
             </a:fld>
             <a:endParaRPr lang="en-US" dirty="0"/>
           </a:p>
@@ -2101,7 +2101,7 @@
           <a:p>
             <a:fld id="{17899A3A-EA23-4829-8954-B97CF5164DE9}" type="datetimeFigureOut">
               <a:rPr lang="en-US" smtClean="0"/>
-              <a:t>10/20/2017</a:t>
+              <a:t>10/27/2017</a:t>
             </a:fld>
             <a:endParaRPr lang="en-US" dirty="0"/>
           </a:p>
@@ -2143,7 +2143,7 @@
           <a:p>
             <a:fld id="{FFFABE7E-E37F-4461-B348-56E0100A0386}" type="slidenum">
               <a:rPr lang="en-US" smtClean="0"/>
-              <a:t>‹N›</a:t>
+              <a:t>‹N°›</a:t>
             </a:fld>
             <a:endParaRPr lang="en-US" dirty="0"/>
           </a:p>
@@ -2358,7 +2358,7 @@
           <a:p>
             <a:fld id="{17899A3A-EA23-4829-8954-B97CF5164DE9}" type="datetimeFigureOut">
               <a:rPr lang="en-US" smtClean="0"/>
-              <a:t>10/20/2017</a:t>
+              <a:t>10/27/2017</a:t>
             </a:fld>
             <a:endParaRPr lang="en-US" dirty="0"/>
           </a:p>
@@ -2400,7 +2400,7 @@
           <a:p>
             <a:fld id="{FFFABE7E-E37F-4461-B348-56E0100A0386}" type="slidenum">
               <a:rPr lang="en-US" smtClean="0"/>
-              <a:t>‹N›</a:t>
+              <a:t>‹N°›</a:t>
             </a:fld>
             <a:endParaRPr lang="en-US" dirty="0"/>
           </a:p>
@@ -2571,7 +2571,7 @@
           <a:p>
             <a:fld id="{17899A3A-EA23-4829-8954-B97CF5164DE9}" type="datetimeFigureOut">
               <a:rPr lang="en-US" smtClean="0"/>
-              <a:t>10/20/2017</a:t>
+              <a:t>10/27/2017</a:t>
             </a:fld>
             <a:endParaRPr lang="en-US" dirty="0"/>
           </a:p>
@@ -2649,7 +2649,7 @@
           <a:p>
             <a:fld id="{FFFABE7E-E37F-4461-B348-56E0100A0386}" type="slidenum">
               <a:rPr lang="en-US" smtClean="0"/>
-              <a:t>‹N›</a:t>
+              <a:t>‹N°›</a:t>
             </a:fld>
             <a:endParaRPr lang="en-US" dirty="0"/>
           </a:p>
@@ -3330,7 +3330,7 @@
         </p:nvSpPr>
         <p:spPr>
           <a:xfrm>
-            <a:off x="2523722" y="2225223"/>
+            <a:off x="2493611" y="2444239"/>
             <a:ext cx="2077042" cy="591820"/>
           </a:xfrm>
           <a:prstGeom prst="roundRect">
@@ -3384,7 +3384,7 @@
         </p:nvSpPr>
         <p:spPr>
           <a:xfrm>
-            <a:off x="2426116" y="6651927"/>
+            <a:off x="2594845" y="7733008"/>
             <a:ext cx="1790700" cy="304800"/>
           </a:xfrm>
           <a:prstGeom prst="roundRect">
@@ -3419,7 +3419,7 @@
             <a:pPr algn="ctr"/>
             <a:r>
               <a:rPr lang="en-US" sz="1200" b="1" dirty="0"/>
-              <a:t>Check answer </a:t>
+              <a:t>Check answer on fly </a:t>
             </a:r>
           </a:p>
         </p:txBody>
@@ -3438,7 +3438,7 @@
         </p:nvSpPr>
         <p:spPr>
           <a:xfrm>
-            <a:off x="270423" y="3362958"/>
+            <a:off x="342052" y="3215306"/>
             <a:ext cx="1655299" cy="490947"/>
           </a:xfrm>
           <a:prstGeom prst="roundRect">
@@ -3487,7 +3487,7 @@
         </p:nvSpPr>
         <p:spPr>
           <a:xfrm>
-            <a:off x="2392159" y="4337961"/>
+            <a:off x="2508671" y="3951842"/>
             <a:ext cx="1963049" cy="413228"/>
           </a:xfrm>
           <a:prstGeom prst="roundRect">
@@ -3522,7 +3522,7 @@
             <a:pPr algn="ctr"/>
             <a:r>
               <a:rPr lang="en-US" sz="1200" b="1" dirty="0"/>
-              <a:t>Create multiple exercises (and answer if exam)</a:t>
+              <a:t>Create multiple exercises</a:t>
             </a:r>
           </a:p>
         </p:txBody>
@@ -3541,7 +3541,7 @@
         </p:nvSpPr>
         <p:spPr>
           <a:xfrm>
-            <a:off x="149870" y="4906415"/>
+            <a:off x="222715" y="4292349"/>
             <a:ext cx="1847481" cy="402556"/>
           </a:xfrm>
           <a:prstGeom prst="roundRect">
@@ -3590,8 +3590,8 @@
         </p:nvSpPr>
         <p:spPr>
           <a:xfrm>
-            <a:off x="2472832" y="5911736"/>
-            <a:ext cx="1847481" cy="402556"/>
+            <a:off x="2415585" y="6005586"/>
+            <a:ext cx="2034221" cy="402556"/>
           </a:xfrm>
           <a:prstGeom prst="roundRect">
             <a:avLst>
@@ -3639,7 +3639,7 @@
         </p:nvSpPr>
         <p:spPr>
           <a:xfrm>
-            <a:off x="124475" y="8742567"/>
+            <a:off x="91238" y="8021723"/>
             <a:ext cx="1566418" cy="736898"/>
           </a:xfrm>
           <a:prstGeom prst="roundRect">
@@ -3828,9 +3828,9 @@
           <p:nvPr/>
         </p:nvCxnSpPr>
         <p:spPr>
-          <a:xfrm flipH="1">
-            <a:off x="1072176" y="5308971"/>
-            <a:ext cx="1435" cy="422267"/>
+          <a:xfrm>
+            <a:off x="1146456" y="4694905"/>
+            <a:ext cx="0" cy="422267"/>
           </a:xfrm>
           <a:prstGeom prst="straightConnector1">
             <a:avLst/>
@@ -3875,8 +3875,8 @@
         </p:nvCxnSpPr>
         <p:spPr>
           <a:xfrm>
-            <a:off x="1098073" y="3853905"/>
-            <a:ext cx="1294086" cy="690670"/>
+            <a:off x="1169702" y="3706253"/>
+            <a:ext cx="1338969" cy="452203"/>
           </a:xfrm>
           <a:prstGeom prst="straightConnector1">
             <a:avLst/>
@@ -3922,7 +3922,7 @@
         <p:spPr>
           <a:xfrm>
             <a:off x="2050129" y="2521133"/>
-            <a:ext cx="473593" cy="0"/>
+            <a:ext cx="443482" cy="219016"/>
           </a:xfrm>
           <a:prstGeom prst="straightConnector1">
             <a:avLst/>
@@ -3949,52 +3949,6 @@
           </a:fontRef>
         </p:style>
       </p:cxnSp>
-      <p:cxnSp>
-        <p:nvCxnSpPr>
-          <p:cNvPr id="159" name="Connecteur droit avec flèche 158">
-            <a:extLst>
-              <a:ext uri="{FF2B5EF4-FFF2-40B4-BE49-F238E27FC236}">
-                <a16:creationId xmlns:a16="http://schemas.microsoft.com/office/drawing/2014/main" id="{9BD8B289-872F-420D-9154-7CE502362A79}"/>
-              </a:ext>
-            </a:extLst>
-          </p:cNvPr>
-          <p:cNvCxnSpPr>
-            <a:cxnSpLocks/>
-            <a:stCxn id="29" idx="2"/>
-            <a:endCxn id="266" idx="0"/>
-          </p:cNvCxnSpPr>
-          <p:nvPr/>
-        </p:nvCxnSpPr>
-        <p:spPr>
-          <a:xfrm flipH="1">
-            <a:off x="3371569" y="4751189"/>
-            <a:ext cx="2115" cy="251169"/>
-          </a:xfrm>
-          <a:prstGeom prst="straightConnector1">
-            <a:avLst/>
-          </a:prstGeom>
-          <a:ln w="19050">
-            <a:solidFill>
-              <a:schemeClr val="tx1"/>
-            </a:solidFill>
-            <a:tailEnd type="triangle"/>
-          </a:ln>
-        </p:spPr>
-        <p:style>
-          <a:lnRef idx="1">
-            <a:schemeClr val="accent1"/>
-          </a:lnRef>
-          <a:fillRef idx="0">
-            <a:schemeClr val="accent1"/>
-          </a:fillRef>
-          <a:effectRef idx="0">
-            <a:schemeClr val="accent1"/>
-          </a:effectRef>
-          <a:fontRef idx="minor">
-            <a:schemeClr val="tx1"/>
-          </a:fontRef>
-        </p:style>
-      </p:cxnSp>
       <p:sp>
         <p:nvSpPr>
           <p:cNvPr id="190" name="Ellipse 189">
@@ -4009,7 +3963,7 @@
         </p:nvSpPr>
         <p:spPr>
           <a:xfrm>
-            <a:off x="850534" y="9742511"/>
+            <a:off x="817297" y="8898480"/>
             <a:ext cx="114300" cy="121920"/>
           </a:xfrm>
           <a:prstGeom prst="ellipse">
@@ -4059,103 +4013,8 @@
         </p:nvCxnSpPr>
         <p:spPr>
           <a:xfrm>
-            <a:off x="907684" y="9479465"/>
-            <a:ext cx="0" cy="263046"/>
-          </a:xfrm>
-          <a:prstGeom prst="straightConnector1">
-            <a:avLst/>
-          </a:prstGeom>
-          <a:ln w="19050">
-            <a:solidFill>
-              <a:schemeClr val="tx1"/>
-            </a:solidFill>
-            <a:tailEnd type="triangle"/>
-          </a:ln>
-        </p:spPr>
-        <p:style>
-          <a:lnRef idx="1">
-            <a:schemeClr val="accent1"/>
-          </a:lnRef>
-          <a:fillRef idx="0">
-            <a:schemeClr val="accent1"/>
-          </a:fillRef>
-          <a:effectRef idx="0">
-            <a:schemeClr val="accent1"/>
-          </a:effectRef>
-          <a:fontRef idx="minor">
-            <a:schemeClr val="tx1"/>
-          </a:fontRef>
-        </p:style>
-      </p:cxnSp>
-      <p:sp>
-        <p:nvSpPr>
-          <p:cNvPr id="232" name="Organigramme : Décision 231">
-            <a:extLst>
-              <a:ext uri="{FF2B5EF4-FFF2-40B4-BE49-F238E27FC236}">
-                <a16:creationId xmlns:a16="http://schemas.microsoft.com/office/drawing/2014/main" id="{046B248F-EF3B-41E8-9257-78BB8EF84976}"/>
-              </a:ext>
-            </a:extLst>
-          </p:cNvPr>
-          <p:cNvSpPr/>
-          <p:nvPr/>
-        </p:nvSpPr>
-        <p:spPr>
-          <a:xfrm>
-            <a:off x="3387719" y="3467945"/>
-            <a:ext cx="356994" cy="238684"/>
-          </a:xfrm>
-          <a:prstGeom prst="flowChartDecision">
-            <a:avLst/>
-          </a:prstGeom>
-          <a:solidFill>
-            <a:schemeClr val="bg1"/>
-          </a:solidFill>
-        </p:spPr>
-        <p:style>
-          <a:lnRef idx="2">
-            <a:schemeClr val="dk1">
-              <a:shade val="50000"/>
-            </a:schemeClr>
-          </a:lnRef>
-          <a:fillRef idx="1">
-            <a:schemeClr val="dk1"/>
-          </a:fillRef>
-          <a:effectRef idx="0">
-            <a:schemeClr val="dk1"/>
-          </a:effectRef>
-          <a:fontRef idx="minor">
-            <a:schemeClr val="lt1"/>
-          </a:fontRef>
-        </p:style>
-        <p:txBody>
-          <a:bodyPr rtlCol="0" anchor="ctr"/>
-          <a:lstStyle/>
-          <a:p>
-            <a:pPr algn="ctr"/>
-            <a:endParaRPr lang="en-US"/>
-          </a:p>
-        </p:txBody>
-      </p:sp>
-      <p:cxnSp>
-        <p:nvCxnSpPr>
-          <p:cNvPr id="233" name="Connecteur droit avec flèche 232">
-            <a:extLst>
-              <a:ext uri="{FF2B5EF4-FFF2-40B4-BE49-F238E27FC236}">
-                <a16:creationId xmlns:a16="http://schemas.microsoft.com/office/drawing/2014/main" id="{9F66A7C4-2CB6-4DC8-9511-99CB43D5A39E}"/>
-              </a:ext>
-            </a:extLst>
-          </p:cNvPr>
-          <p:cNvCxnSpPr>
-            <a:cxnSpLocks/>
-            <a:stCxn id="21" idx="2"/>
-            <a:endCxn id="232" idx="0"/>
-          </p:cNvCxnSpPr>
-          <p:nvPr/>
-        </p:nvCxnSpPr>
-        <p:spPr>
-          <a:xfrm>
-            <a:off x="3562243" y="2817043"/>
-            <a:ext cx="3973" cy="650902"/>
+            <a:off x="874447" y="8758621"/>
+            <a:ext cx="0" cy="139859"/>
           </a:xfrm>
           <a:prstGeom prst="straightConnector1">
             <a:avLst/>
@@ -4184,24 +4043,24 @@
       </p:cxnSp>
       <p:cxnSp>
         <p:nvCxnSpPr>
-          <p:cNvPr id="238" name="Connecteur droit avec flèche 237">
-            <a:extLst>
-              <a:ext uri="{FF2B5EF4-FFF2-40B4-BE49-F238E27FC236}">
-                <a16:creationId xmlns:a16="http://schemas.microsoft.com/office/drawing/2014/main" id="{78D50A44-E9DA-4824-88D7-6991FDF9BA61}"/>
+          <p:cNvPr id="233" name="Connecteur droit avec flèche 232">
+            <a:extLst>
+              <a:ext uri="{FF2B5EF4-FFF2-40B4-BE49-F238E27FC236}">
+                <a16:creationId xmlns:a16="http://schemas.microsoft.com/office/drawing/2014/main" id="{9F66A7C4-2CB6-4DC8-9511-99CB43D5A39E}"/>
               </a:ext>
             </a:extLst>
           </p:cNvPr>
           <p:cNvCxnSpPr>
             <a:cxnSpLocks/>
-            <a:stCxn id="232" idx="1"/>
-            <a:endCxn id="28" idx="3"/>
+            <a:stCxn id="21" idx="1"/>
+            <a:endCxn id="28" idx="0"/>
           </p:cNvCxnSpPr>
           <p:nvPr/>
         </p:nvCxnSpPr>
         <p:spPr>
           <a:xfrm flipH="1">
-            <a:off x="1925722" y="3587287"/>
-            <a:ext cx="1461997" cy="21145"/>
+            <a:off x="1169702" y="2740149"/>
+            <a:ext cx="1323909" cy="475157"/>
           </a:xfrm>
           <a:prstGeom prst="straightConnector1">
             <a:avLst/>
@@ -4228,125 +4087,6 @@
           </a:fontRef>
         </p:style>
       </p:cxnSp>
-      <p:sp>
-        <p:nvSpPr>
-          <p:cNvPr id="245" name="ZoneTexte 244">
-            <a:extLst>
-              <a:ext uri="{FF2B5EF4-FFF2-40B4-BE49-F238E27FC236}">
-                <a16:creationId xmlns:a16="http://schemas.microsoft.com/office/drawing/2014/main" id="{58ADEAEE-ED4F-42E7-80C4-D536F61B6021}"/>
-              </a:ext>
-            </a:extLst>
-          </p:cNvPr>
-          <p:cNvSpPr txBox="1"/>
-          <p:nvPr/>
-        </p:nvSpPr>
-        <p:spPr>
-          <a:xfrm>
-            <a:off x="2252003" y="3249032"/>
-            <a:ext cx="685252" cy="307777"/>
-          </a:xfrm>
-          <a:prstGeom prst="rect">
-            <a:avLst/>
-          </a:prstGeom>
-          <a:noFill/>
-        </p:spPr>
-        <p:txBody>
-          <a:bodyPr wrap="none" rtlCol="0">
-            <a:spAutoFit/>
-          </a:bodyPr>
-          <a:lstStyle/>
-          <a:p>
-            <a:r>
-              <a:rPr lang="en-US" sz="1400" dirty="0"/>
-              <a:t>[exam]</a:t>
-            </a:r>
-          </a:p>
-        </p:txBody>
-      </p:sp>
-      <p:sp>
-        <p:nvSpPr>
-          <p:cNvPr id="266" name="Organigramme : Décision 265">
-            <a:extLst>
-              <a:ext uri="{FF2B5EF4-FFF2-40B4-BE49-F238E27FC236}">
-                <a16:creationId xmlns:a16="http://schemas.microsoft.com/office/drawing/2014/main" id="{C5852037-1404-4580-806C-DFAECECEE9C2}"/>
-              </a:ext>
-            </a:extLst>
-          </p:cNvPr>
-          <p:cNvSpPr/>
-          <p:nvPr/>
-        </p:nvSpPr>
-        <p:spPr>
-          <a:xfrm>
-            <a:off x="3193072" y="5002358"/>
-            <a:ext cx="356994" cy="238684"/>
-          </a:xfrm>
-          <a:prstGeom prst="flowChartDecision">
-            <a:avLst/>
-          </a:prstGeom>
-          <a:solidFill>
-            <a:schemeClr val="bg1"/>
-          </a:solidFill>
-        </p:spPr>
-        <p:style>
-          <a:lnRef idx="2">
-            <a:schemeClr val="dk1">
-              <a:shade val="50000"/>
-            </a:schemeClr>
-          </a:lnRef>
-          <a:fillRef idx="1">
-            <a:schemeClr val="dk1"/>
-          </a:fillRef>
-          <a:effectRef idx="0">
-            <a:schemeClr val="dk1"/>
-          </a:effectRef>
-          <a:fontRef idx="minor">
-            <a:schemeClr val="lt1"/>
-          </a:fontRef>
-        </p:style>
-        <p:txBody>
-          <a:bodyPr rtlCol="0" anchor="ctr"/>
-          <a:lstStyle/>
-          <a:p>
-            <a:pPr algn="ctr"/>
-            <a:endParaRPr lang="en-US"/>
-          </a:p>
-        </p:txBody>
-      </p:sp>
-      <p:sp>
-        <p:nvSpPr>
-          <p:cNvPr id="269" name="ZoneTexte 268">
-            <a:extLst>
-              <a:ext uri="{FF2B5EF4-FFF2-40B4-BE49-F238E27FC236}">
-                <a16:creationId xmlns:a16="http://schemas.microsoft.com/office/drawing/2014/main" id="{7DD16FEC-8FE9-46B0-9621-7BCD4E6DF517}"/>
-              </a:ext>
-            </a:extLst>
-          </p:cNvPr>
-          <p:cNvSpPr txBox="1"/>
-          <p:nvPr/>
-        </p:nvSpPr>
-        <p:spPr>
-          <a:xfrm>
-            <a:off x="2222006" y="5102773"/>
-            <a:ext cx="745245" cy="307777"/>
-          </a:xfrm>
-          <a:prstGeom prst="rect">
-            <a:avLst/>
-          </a:prstGeom>
-          <a:noFill/>
-        </p:spPr>
-        <p:txBody>
-          <a:bodyPr wrap="square" rtlCol="0">
-            <a:spAutoFit/>
-          </a:bodyPr>
-          <a:lstStyle/>
-          <a:p>
-            <a:r>
-              <a:rPr lang="en-US" sz="1400" dirty="0"/>
-              <a:t>[exam]</a:t>
-            </a:r>
-          </a:p>
-        </p:txBody>
-      </p:sp>
       <p:cxnSp>
         <p:nvCxnSpPr>
           <p:cNvPr id="271" name="Connecteur droit avec flèche 270">
@@ -4358,15 +4098,15 @@
           </p:cNvPr>
           <p:cNvCxnSpPr>
             <a:cxnSpLocks/>
-            <a:stCxn id="266" idx="1"/>
+            <a:stCxn id="29" idx="1"/>
             <a:endCxn id="31" idx="3"/>
           </p:cNvCxnSpPr>
           <p:nvPr/>
         </p:nvCxnSpPr>
         <p:spPr>
-          <a:xfrm flipH="1" flipV="1">
-            <a:off x="1997351" y="5107693"/>
-            <a:ext cx="1195721" cy="14007"/>
+          <a:xfrm flipH="1">
+            <a:off x="2070196" y="4158456"/>
+            <a:ext cx="438475" cy="335171"/>
           </a:xfrm>
           <a:prstGeom prst="straightConnector1">
             <a:avLst/>
@@ -4407,7 +4147,7 @@
         </p:nvSpPr>
         <p:spPr>
           <a:xfrm>
-            <a:off x="1596831" y="8031098"/>
+            <a:off x="1678206" y="8390172"/>
             <a:ext cx="1366355" cy="487770"/>
           </a:xfrm>
           <a:prstGeom prst="roundRect">
@@ -4444,24 +4184,24 @@
       </p:sp>
       <p:cxnSp>
         <p:nvCxnSpPr>
-          <p:cNvPr id="306" name="Connecteur droit avec flèche 305">
-            <a:extLst>
-              <a:ext uri="{FF2B5EF4-FFF2-40B4-BE49-F238E27FC236}">
-                <a16:creationId xmlns:a16="http://schemas.microsoft.com/office/drawing/2014/main" id="{1F43E9BC-2D58-49AC-B966-4E2A55BB317D}"/>
+          <p:cNvPr id="87" name="Connecteur droit avec flèche 118">
+            <a:extLst>
+              <a:ext uri="{FF2B5EF4-FFF2-40B4-BE49-F238E27FC236}">
+                <a16:creationId xmlns:a16="http://schemas.microsoft.com/office/drawing/2014/main" id="{538EF183-255E-413B-9681-4F438E80CE7A}"/>
               </a:ext>
             </a:extLst>
           </p:cNvPr>
           <p:cNvCxnSpPr>
             <a:cxnSpLocks/>
-            <a:stCxn id="81" idx="1"/>
-            <a:endCxn id="88" idx="0"/>
+            <a:stCxn id="24" idx="2"/>
+            <a:endCxn id="289" idx="3"/>
           </p:cNvCxnSpPr>
           <p:nvPr/>
         </p:nvCxnSpPr>
         <p:spPr>
           <a:xfrm flipH="1">
-            <a:off x="2648213" y="7269580"/>
-            <a:ext cx="575285" cy="143178"/>
+            <a:off x="3044561" y="8037808"/>
+            <a:ext cx="445634" cy="596249"/>
           </a:xfrm>
           <a:prstGeom prst="straightConnector1">
             <a:avLst/>
@@ -4490,10 +4230,10 @@
       </p:cxnSp>
       <p:sp>
         <p:nvSpPr>
-          <p:cNvPr id="81" name="Organigramme : Décision 265">
-            <a:extLst>
-              <a:ext uri="{FF2B5EF4-FFF2-40B4-BE49-F238E27FC236}">
-                <a16:creationId xmlns:a16="http://schemas.microsoft.com/office/drawing/2014/main" id="{FADFE9F0-6E77-46EA-90D9-E5296BD3BB03}"/>
+          <p:cNvPr id="3" name="Decisione 2">
+            <a:extLst>
+              <a:ext uri="{FF2B5EF4-FFF2-40B4-BE49-F238E27FC236}">
+                <a16:creationId xmlns:a16="http://schemas.microsoft.com/office/drawing/2014/main" id="{90EFAC9E-BEEB-46E3-938E-2B9FE3A5034E}"/>
               </a:ext>
             </a:extLst>
           </p:cNvPr>
@@ -4502,196 +4242,12 @@
         </p:nvSpPr>
         <p:spPr>
           <a:xfrm>
-            <a:off x="3223498" y="7150238"/>
-            <a:ext cx="356994" cy="238684"/>
+            <a:off x="89034" y="5117172"/>
+            <a:ext cx="2114844" cy="1056668"/>
           </a:xfrm>
           <a:prstGeom prst="flowChartDecision">
             <a:avLst/>
           </a:prstGeom>
-          <a:solidFill>
-            <a:schemeClr val="bg1"/>
-          </a:solidFill>
-        </p:spPr>
-        <p:style>
-          <a:lnRef idx="2">
-            <a:schemeClr val="dk1">
-              <a:shade val="50000"/>
-            </a:schemeClr>
-          </a:lnRef>
-          <a:fillRef idx="1">
-            <a:schemeClr val="dk1"/>
-          </a:fillRef>
-          <a:effectRef idx="0">
-            <a:schemeClr val="dk1"/>
-          </a:effectRef>
-          <a:fontRef idx="minor">
-            <a:schemeClr val="lt1"/>
-          </a:fontRef>
-        </p:style>
-        <p:txBody>
-          <a:bodyPr rtlCol="0" anchor="ctr"/>
-          <a:lstStyle/>
-          <a:p>
-            <a:pPr algn="ctr"/>
-            <a:endParaRPr lang="en-US"/>
-          </a:p>
-        </p:txBody>
-      </p:sp>
-      <p:cxnSp>
-        <p:nvCxnSpPr>
-          <p:cNvPr id="87" name="Connecteur droit avec flèche 118">
-            <a:extLst>
-              <a:ext uri="{FF2B5EF4-FFF2-40B4-BE49-F238E27FC236}">
-                <a16:creationId xmlns:a16="http://schemas.microsoft.com/office/drawing/2014/main" id="{538EF183-255E-413B-9681-4F438E80CE7A}"/>
-              </a:ext>
-            </a:extLst>
-          </p:cNvPr>
-          <p:cNvCxnSpPr>
-            <a:cxnSpLocks/>
-            <a:endCxn id="81" idx="0"/>
-          </p:cNvCxnSpPr>
-          <p:nvPr/>
-        </p:nvCxnSpPr>
-        <p:spPr>
-          <a:xfrm>
-            <a:off x="3401995" y="6956113"/>
-            <a:ext cx="0" cy="194125"/>
-          </a:xfrm>
-          <a:prstGeom prst="straightConnector1">
-            <a:avLst/>
-          </a:prstGeom>
-          <a:ln w="19050">
-            <a:solidFill>
-              <a:schemeClr val="tx1"/>
-            </a:solidFill>
-            <a:tailEnd type="triangle"/>
-          </a:ln>
-        </p:spPr>
-        <p:style>
-          <a:lnRef idx="1">
-            <a:schemeClr val="accent1"/>
-          </a:lnRef>
-          <a:fillRef idx="0">
-            <a:schemeClr val="accent1"/>
-          </a:fillRef>
-          <a:effectRef idx="0">
-            <a:schemeClr val="accent1"/>
-          </a:effectRef>
-          <a:fontRef idx="minor">
-            <a:schemeClr val="tx1"/>
-          </a:fontRef>
-        </p:style>
-      </p:cxnSp>
-      <p:sp>
-        <p:nvSpPr>
-          <p:cNvPr id="106" name="ZoneTexte 268">
-            <a:extLst>
-              <a:ext uri="{FF2B5EF4-FFF2-40B4-BE49-F238E27FC236}">
-                <a16:creationId xmlns:a16="http://schemas.microsoft.com/office/drawing/2014/main" id="{65EF8D39-00B5-4ED1-9B03-B05B3531B32F}"/>
-              </a:ext>
-            </a:extLst>
-          </p:cNvPr>
-          <p:cNvSpPr txBox="1"/>
-          <p:nvPr/>
-        </p:nvSpPr>
-        <p:spPr>
-          <a:xfrm rot="10800000" flipH="1" flipV="1">
-            <a:off x="2311821" y="7083271"/>
-            <a:ext cx="741662" cy="307777"/>
-          </a:xfrm>
-          <a:prstGeom prst="rect">
-            <a:avLst/>
-          </a:prstGeom>
-          <a:noFill/>
-        </p:spPr>
-        <p:txBody>
-          <a:bodyPr wrap="square" rtlCol="0">
-            <a:spAutoFit/>
-          </a:bodyPr>
-          <a:lstStyle/>
-          <a:p>
-            <a:r>
-              <a:rPr lang="en-US" sz="1400" dirty="0"/>
-              <a:t>[exam]</a:t>
-            </a:r>
-          </a:p>
-        </p:txBody>
-      </p:sp>
-      <p:cxnSp>
-        <p:nvCxnSpPr>
-          <p:cNvPr id="64" name="Connettore a gomito 63">
-            <a:extLst>
-              <a:ext uri="{FF2B5EF4-FFF2-40B4-BE49-F238E27FC236}">
-                <a16:creationId xmlns:a16="http://schemas.microsoft.com/office/drawing/2014/main" id="{1BEBE2C3-EE7D-4F51-B5DF-9469128BF8ED}"/>
-              </a:ext>
-            </a:extLst>
-          </p:cNvPr>
-          <p:cNvCxnSpPr>
-            <a:cxnSpLocks/>
-            <a:stCxn id="289" idx="2"/>
-            <a:endCxn id="34" idx="3"/>
-          </p:cNvCxnSpPr>
-          <p:nvPr/>
-        </p:nvCxnSpPr>
-        <p:spPr>
-          <a:xfrm rot="5400000">
-            <a:off x="1689377" y="8520384"/>
-            <a:ext cx="592148" cy="589116"/>
-          </a:xfrm>
-          <a:prstGeom prst="bentConnector2">
-            <a:avLst/>
-          </a:prstGeom>
-          <a:ln w="19050">
-            <a:solidFill>
-              <a:schemeClr val="tx1">
-                <a:lumMod val="95000"/>
-                <a:lumOff val="5000"/>
-              </a:schemeClr>
-            </a:solidFill>
-            <a:tailEnd type="triangle"/>
-          </a:ln>
-        </p:spPr>
-        <p:style>
-          <a:lnRef idx="1">
-            <a:schemeClr val="accent1"/>
-          </a:lnRef>
-          <a:fillRef idx="0">
-            <a:schemeClr val="accent1"/>
-          </a:fillRef>
-          <a:effectRef idx="0">
-            <a:schemeClr val="accent1"/>
-          </a:effectRef>
-          <a:fontRef idx="minor">
-            <a:schemeClr val="tx1"/>
-          </a:fontRef>
-        </p:style>
-      </p:cxnSp>
-      <p:sp>
-        <p:nvSpPr>
-          <p:cNvPr id="88" name="Rectangle : coins arrondis 87">
-            <a:extLst>
-              <a:ext uri="{FF2B5EF4-FFF2-40B4-BE49-F238E27FC236}">
-                <a16:creationId xmlns:a16="http://schemas.microsoft.com/office/drawing/2014/main" id="{FD4C2440-AAAB-4474-AEBD-BEFEBD1623AD}"/>
-              </a:ext>
-            </a:extLst>
-          </p:cNvPr>
-          <p:cNvSpPr/>
-          <p:nvPr/>
-        </p:nvSpPr>
-        <p:spPr>
-          <a:xfrm>
-            <a:off x="2319488" y="7412758"/>
-            <a:ext cx="657449" cy="106184"/>
-          </a:xfrm>
-          <a:prstGeom prst="roundRect">
-            <a:avLst/>
-          </a:prstGeom>
-          <a:solidFill>
-            <a:schemeClr val="tx1">
-              <a:lumMod val="95000"/>
-              <a:lumOff val="5000"/>
-            </a:schemeClr>
-          </a:solidFill>
         </p:spPr>
         <p:style>
           <a:lnRef idx="2">
@@ -4712,137 +4268,10 @@
           <a:lstStyle/>
           <a:p>
             <a:pPr algn="ctr"/>
-            <a:endParaRPr lang="en-US" sz="1100" dirty="0"/>
-          </a:p>
-        </p:txBody>
-      </p:sp>
-      <p:cxnSp>
-        <p:nvCxnSpPr>
-          <p:cNvPr id="90" name="Connecteur droit avec flèche 89">
-            <a:extLst>
-              <a:ext uri="{FF2B5EF4-FFF2-40B4-BE49-F238E27FC236}">
-                <a16:creationId xmlns:a16="http://schemas.microsoft.com/office/drawing/2014/main" id="{7622E943-5626-43D8-B3D2-39D0AD8B16CE}"/>
-              </a:ext>
-            </a:extLst>
-          </p:cNvPr>
-          <p:cNvCxnSpPr>
-            <a:cxnSpLocks/>
-            <a:stCxn id="88" idx="2"/>
-            <a:endCxn id="289" idx="0"/>
-          </p:cNvCxnSpPr>
-          <p:nvPr/>
-        </p:nvCxnSpPr>
-        <p:spPr>
-          <a:xfrm flipH="1">
-            <a:off x="2280009" y="7518942"/>
-            <a:ext cx="368204" cy="512156"/>
-          </a:xfrm>
-          <a:prstGeom prst="straightConnector1">
-            <a:avLst/>
-          </a:prstGeom>
-          <a:ln w="19050">
-            <a:solidFill>
-              <a:schemeClr val="tx1"/>
-            </a:solidFill>
-            <a:tailEnd type="triangle"/>
-          </a:ln>
-        </p:spPr>
-        <p:style>
-          <a:lnRef idx="1">
-            <a:schemeClr val="accent1"/>
-          </a:lnRef>
-          <a:fillRef idx="0">
-            <a:schemeClr val="accent1"/>
-          </a:fillRef>
-          <a:effectRef idx="0">
-            <a:schemeClr val="accent1"/>
-          </a:effectRef>
-          <a:fontRef idx="minor">
-            <a:schemeClr val="tx1"/>
-          </a:fontRef>
-        </p:style>
-      </p:cxnSp>
-      <p:sp>
-        <p:nvSpPr>
-          <p:cNvPr id="3" name="Decisione 2">
-            <a:extLst>
-              <a:ext uri="{FF2B5EF4-FFF2-40B4-BE49-F238E27FC236}">
-                <a16:creationId xmlns:a16="http://schemas.microsoft.com/office/drawing/2014/main" id="{90EFAC9E-BEEB-46E3-938E-2B9FE3A5034E}"/>
-              </a:ext>
-            </a:extLst>
-          </p:cNvPr>
-          <p:cNvSpPr/>
-          <p:nvPr/>
-        </p:nvSpPr>
-        <p:spPr>
-          <a:xfrm>
-            <a:off x="167059" y="5731238"/>
-            <a:ext cx="1810233" cy="1056668"/>
-          </a:xfrm>
-          <a:prstGeom prst="flowChartDecision">
-            <a:avLst/>
-          </a:prstGeom>
-        </p:spPr>
-        <p:style>
-          <a:lnRef idx="2">
-            <a:schemeClr val="dk1"/>
-          </a:lnRef>
-          <a:fillRef idx="1">
-            <a:schemeClr val="lt1"/>
-          </a:fillRef>
-          <a:effectRef idx="0">
-            <a:schemeClr val="dk1"/>
-          </a:effectRef>
-          <a:fontRef idx="minor">
-            <a:schemeClr val="dk1"/>
-          </a:fontRef>
-        </p:style>
-        <p:txBody>
-          <a:bodyPr rtlCol="0" anchor="ctr"/>
-          <a:lstStyle/>
-          <a:p>
-            <a:pPr algn="ctr"/>
             <a:r>
               <a:rPr lang="it-IT" sz="1100" dirty="0"/>
-              <a:t>The </a:t>
-            </a:r>
-            <a:r>
-              <a:rPr lang="it-IT" sz="1100" dirty="0" err="1"/>
-              <a:t>teacher</a:t>
-            </a:r>
-            <a:r>
-              <a:rPr lang="it-IT" sz="1100" dirty="0"/>
-              <a:t>  </a:t>
-            </a:r>
-            <a:r>
-              <a:rPr lang="it-IT" sz="1100" dirty="0" err="1"/>
-              <a:t>find</a:t>
-            </a:r>
-            <a:r>
-              <a:rPr lang="it-IT" sz="1100" dirty="0"/>
-              <a:t> </a:t>
-            </a:r>
-            <a:r>
-              <a:rPr lang="it-IT" sz="1100" dirty="0" err="1"/>
-              <a:t>question</a:t>
-            </a:r>
-            <a:r>
-              <a:rPr lang="it-IT" sz="1100" dirty="0"/>
-              <a:t> </a:t>
-            </a:r>
-            <a:r>
-              <a:rPr lang="it-IT" sz="1100" dirty="0" err="1"/>
-              <a:t>that</a:t>
-            </a:r>
-            <a:r>
-              <a:rPr lang="it-IT" sz="1100" dirty="0"/>
-              <a:t> he </a:t>
-            </a:r>
-            <a:r>
-              <a:rPr lang="it-IT" sz="1100" dirty="0" err="1"/>
-              <a:t>want</a:t>
-            </a:r>
-            <a:endParaRPr lang="it-IT" sz="1100" dirty="0"/>
+              <a:t>The teacher  find question that he wants</a:t>
+            </a:r>
           </a:p>
         </p:txBody>
       </p:sp>
@@ -4858,117 +4287,14 @@
           <p:cNvCxnSpPr>
             <a:cxnSpLocks/>
             <a:stCxn id="3" idx="3"/>
-            <a:endCxn id="32" idx="1"/>
+            <a:endCxn id="29" idx="2"/>
           </p:cNvCxnSpPr>
           <p:nvPr/>
         </p:nvCxnSpPr>
         <p:spPr>
           <a:xfrm flipV="1">
-            <a:off x="1977292" y="6113014"/>
-            <a:ext cx="495540" cy="146558"/>
-          </a:xfrm>
-          <a:prstGeom prst="straightConnector1">
-            <a:avLst/>
-          </a:prstGeom>
-          <a:ln>
-            <a:tailEnd type="triangle"/>
-          </a:ln>
-        </p:spPr>
-        <p:style>
-          <a:lnRef idx="1">
-            <a:schemeClr val="dk1"/>
-          </a:lnRef>
-          <a:fillRef idx="0">
-            <a:schemeClr val="dk1"/>
-          </a:fillRef>
-          <a:effectRef idx="0">
-            <a:schemeClr val="dk1"/>
-          </a:effectRef>
-          <a:fontRef idx="minor">
-            <a:schemeClr val="tx1"/>
-          </a:fontRef>
-        </p:style>
-      </p:cxnSp>
-      <p:sp>
-        <p:nvSpPr>
-          <p:cNvPr id="225" name="Rettangolo con angoli arrotondati 224">
-            <a:extLst>
-              <a:ext uri="{FF2B5EF4-FFF2-40B4-BE49-F238E27FC236}">
-                <a16:creationId xmlns:a16="http://schemas.microsoft.com/office/drawing/2014/main" id="{17F8C686-5113-4860-A53B-1A16D446C6F9}"/>
-              </a:ext>
-            </a:extLst>
-          </p:cNvPr>
-          <p:cNvSpPr/>
-          <p:nvPr/>
-        </p:nvSpPr>
-        <p:spPr>
-          <a:xfrm>
-            <a:off x="623351" y="7272816"/>
-            <a:ext cx="897647" cy="938863"/>
-          </a:xfrm>
-          <a:prstGeom prst="roundRect">
-            <a:avLst/>
-          </a:prstGeom>
-        </p:spPr>
-        <p:style>
-          <a:lnRef idx="2">
-            <a:schemeClr val="dk1"/>
-          </a:lnRef>
-          <a:fillRef idx="1">
-            <a:schemeClr val="lt1"/>
-          </a:fillRef>
-          <a:effectRef idx="0">
-            <a:schemeClr val="dk1"/>
-          </a:effectRef>
-          <a:fontRef idx="minor">
-            <a:schemeClr val="dk1"/>
-          </a:fontRef>
-        </p:style>
-        <p:txBody>
-          <a:bodyPr rtlCol="0" anchor="ctr"/>
-          <a:lstStyle/>
-          <a:p>
-            <a:pPr algn="ctr"/>
-            <a:r>
-              <a:rPr lang="it-IT" sz="1100" dirty="0"/>
-              <a:t>The </a:t>
-            </a:r>
-            <a:r>
-              <a:rPr lang="it-IT" sz="1100" dirty="0" err="1"/>
-              <a:t>teacher</a:t>
-            </a:r>
-            <a:r>
-              <a:rPr lang="it-IT" sz="1100" dirty="0"/>
-              <a:t> create a new </a:t>
-            </a:r>
-            <a:r>
-              <a:rPr lang="it-IT" sz="1100" dirty="0" err="1"/>
-              <a:t>question</a:t>
-            </a:r>
-            <a:endParaRPr lang="it-IT" sz="1100" dirty="0"/>
-          </a:p>
-        </p:txBody>
-      </p:sp>
-      <p:cxnSp>
-        <p:nvCxnSpPr>
-          <p:cNvPr id="235" name="Connettore 2 234">
-            <a:extLst>
-              <a:ext uri="{FF2B5EF4-FFF2-40B4-BE49-F238E27FC236}">
-                <a16:creationId xmlns:a16="http://schemas.microsoft.com/office/drawing/2014/main" id="{2BE12BF0-4197-49E7-9217-07B2FFFBC306}"/>
-              </a:ext>
-            </a:extLst>
-          </p:cNvPr>
-          <p:cNvCxnSpPr>
-            <a:cxnSpLocks/>
-            <a:stCxn id="225" idx="3"/>
-            <a:endCxn id="32" idx="1"/>
-          </p:cNvCxnSpPr>
-          <p:nvPr/>
-        </p:nvCxnSpPr>
-        <p:spPr>
-          <a:xfrm flipV="1">
-            <a:off x="1520998" y="6113014"/>
-            <a:ext cx="951834" cy="1629234"/>
+            <a:off x="2203878" y="4365070"/>
+            <a:ext cx="1286318" cy="1280436"/>
           </a:xfrm>
           <a:prstGeom prst="straightConnector1">
             <a:avLst/>
@@ -5004,14 +4330,14 @@
           <p:cNvCxnSpPr>
             <a:cxnSpLocks/>
             <a:stCxn id="3" idx="2"/>
-            <a:endCxn id="225" idx="0"/>
+            <a:endCxn id="32" idx="1"/>
           </p:cNvCxnSpPr>
           <p:nvPr/>
         </p:nvCxnSpPr>
         <p:spPr>
-          <a:xfrm flipH="1">
-            <a:off x="1072175" y="6787906"/>
-            <a:ext cx="1" cy="484910"/>
+          <a:xfrm>
+            <a:off x="1146456" y="6173840"/>
+            <a:ext cx="1269129" cy="33024"/>
           </a:xfrm>
           <a:prstGeom prst="straightConnector1">
             <a:avLst/>
@@ -5049,8 +4375,8 @@
         </p:nvSpPr>
         <p:spPr>
           <a:xfrm>
-            <a:off x="1000773" y="6717383"/>
-            <a:ext cx="380232" cy="292388"/>
+            <a:off x="1049931" y="6216624"/>
+            <a:ext cx="403508" cy="292388"/>
           </a:xfrm>
           <a:prstGeom prst="rect">
             <a:avLst/>
@@ -5064,18 +4390,142 @@
           <a:p>
             <a:r>
               <a:rPr lang="en-US" sz="1300" dirty="0"/>
+              <a:t>Yes</a:t>
+            </a:r>
+            <a:endParaRPr lang="it-IT" sz="1300" dirty="0"/>
+          </a:p>
+        </p:txBody>
+      </p:sp>
+      <p:sp>
+        <p:nvSpPr>
+          <p:cNvPr id="100" name="Rettangolo 99">
+            <a:extLst>
+              <a:ext uri="{FF2B5EF4-FFF2-40B4-BE49-F238E27FC236}">
+                <a16:creationId xmlns:a16="http://schemas.microsoft.com/office/drawing/2014/main" id="{A399B259-93CB-4AA5-9AA0-32BD2703FE82}"/>
+              </a:ext>
+            </a:extLst>
+          </p:cNvPr>
+          <p:cNvSpPr/>
+          <p:nvPr/>
+        </p:nvSpPr>
+        <p:spPr>
+          <a:xfrm>
+            <a:off x="1846408" y="5225312"/>
+            <a:ext cx="458257" cy="292388"/>
+          </a:xfrm>
+          <a:prstGeom prst="rect">
+            <a:avLst/>
+          </a:prstGeom>
+        </p:spPr>
+        <p:txBody>
+          <a:bodyPr wrap="square">
+            <a:spAutoFit/>
+          </a:bodyPr>
+          <a:lstStyle/>
+          <a:p>
+            <a:r>
+              <a:rPr lang="en-US" sz="1300" dirty="0"/>
               <a:t>No</a:t>
             </a:r>
             <a:endParaRPr lang="it-IT" sz="1300" dirty="0"/>
           </a:p>
         </p:txBody>
       </p:sp>
-      <p:sp>
-        <p:nvSpPr>
-          <p:cNvPr id="100" name="Rettangolo 99">
-            <a:extLst>
-              <a:ext uri="{FF2B5EF4-FFF2-40B4-BE49-F238E27FC236}">
-                <a16:creationId xmlns:a16="http://schemas.microsoft.com/office/drawing/2014/main" id="{A399B259-93CB-4AA5-9AA0-32BD2703FE82}"/>
+      <p:cxnSp>
+        <p:nvCxnSpPr>
+          <p:cNvPr id="98" name="Connecteur droit avec flèche 305">
+            <a:extLst>
+              <a:ext uri="{FF2B5EF4-FFF2-40B4-BE49-F238E27FC236}">
+                <a16:creationId xmlns:a16="http://schemas.microsoft.com/office/drawing/2014/main" id="{BEC474FA-34BA-463A-A497-51E86DD795A1}"/>
+              </a:ext>
+            </a:extLst>
+          </p:cNvPr>
+          <p:cNvCxnSpPr>
+            <a:cxnSpLocks/>
+            <a:stCxn id="110" idx="2"/>
+            <a:endCxn id="24" idx="0"/>
+          </p:cNvCxnSpPr>
+          <p:nvPr/>
+        </p:nvCxnSpPr>
+        <p:spPr>
+          <a:xfrm>
+            <a:off x="3490195" y="7513091"/>
+            <a:ext cx="0" cy="219917"/>
+          </a:xfrm>
+          <a:prstGeom prst="straightConnector1">
+            <a:avLst/>
+          </a:prstGeom>
+          <a:ln>
+            <a:tailEnd type="triangle"/>
+          </a:ln>
+        </p:spPr>
+        <p:style>
+          <a:lnRef idx="1">
+            <a:schemeClr val="accent1"/>
+          </a:lnRef>
+          <a:fillRef idx="0">
+            <a:schemeClr val="accent1"/>
+          </a:fillRef>
+          <a:effectRef idx="0">
+            <a:schemeClr val="accent1"/>
+          </a:effectRef>
+          <a:fontRef idx="minor">
+            <a:schemeClr val="tx1"/>
+          </a:fontRef>
+        </p:style>
+      </p:cxnSp>
+      <p:cxnSp>
+        <p:nvCxnSpPr>
+          <p:cNvPr id="107" name="Connecteur droit avec flèche 118">
+            <a:extLst>
+              <a:ext uri="{FF2B5EF4-FFF2-40B4-BE49-F238E27FC236}">
+                <a16:creationId xmlns:a16="http://schemas.microsoft.com/office/drawing/2014/main" id="{B23E7D09-FD13-42DF-8A26-287787356A5E}"/>
+              </a:ext>
+            </a:extLst>
+          </p:cNvPr>
+          <p:cNvCxnSpPr>
+            <a:cxnSpLocks/>
+            <a:stCxn id="289" idx="1"/>
+            <a:endCxn id="34" idx="0"/>
+          </p:cNvCxnSpPr>
+          <p:nvPr/>
+        </p:nvCxnSpPr>
+        <p:spPr>
+          <a:xfrm flipH="1" flipV="1">
+            <a:off x="874447" y="8021723"/>
+            <a:ext cx="803759" cy="612334"/>
+          </a:xfrm>
+          <a:prstGeom prst="straightConnector1">
+            <a:avLst/>
+          </a:prstGeom>
+          <a:ln w="19050">
+            <a:solidFill>
+              <a:schemeClr val="tx1"/>
+            </a:solidFill>
+            <a:tailEnd type="triangle"/>
+          </a:ln>
+        </p:spPr>
+        <p:style>
+          <a:lnRef idx="1">
+            <a:schemeClr val="accent1"/>
+          </a:lnRef>
+          <a:fillRef idx="0">
+            <a:schemeClr val="accent1"/>
+          </a:fillRef>
+          <a:effectRef idx="0">
+            <a:schemeClr val="accent1"/>
+          </a:effectRef>
+          <a:fontRef idx="minor">
+            <a:schemeClr val="tx1"/>
+          </a:fontRef>
+        </p:style>
+      </p:cxnSp>
+      <p:sp>
+        <p:nvSpPr>
+          <p:cNvPr id="110" name="Rettangolo 249">
+            <a:extLst>
+              <a:ext uri="{FF2B5EF4-FFF2-40B4-BE49-F238E27FC236}">
+                <a16:creationId xmlns:a16="http://schemas.microsoft.com/office/drawing/2014/main" id="{D01669F9-D634-45CD-9EA6-45986EA79552}"/>
               </a:ext>
             </a:extLst>
           </p:cNvPr>
@@ -5084,8 +4534,8 @@
         </p:nvSpPr>
         <p:spPr>
           <a:xfrm>
-            <a:off x="1745621" y="5936831"/>
-            <a:ext cx="403508" cy="292388"/>
+            <a:off x="2832322" y="7220703"/>
+            <a:ext cx="1315745" cy="292388"/>
           </a:xfrm>
           <a:prstGeom prst="rect">
             <a:avLst/>
@@ -5099,7 +4549,85 @@
           <a:p>
             <a:r>
               <a:rPr lang="en-US" sz="1300" dirty="0"/>
-              <a:t>Yes</a:t>
+              <a:t>Students answer</a:t>
+            </a:r>
+            <a:endParaRPr lang="it-IT" sz="1300" dirty="0"/>
+          </a:p>
+        </p:txBody>
+      </p:sp>
+      <p:cxnSp>
+        <p:nvCxnSpPr>
+          <p:cNvPr id="130" name="Connecteur droit avec flèche 305">
+            <a:extLst>
+              <a:ext uri="{FF2B5EF4-FFF2-40B4-BE49-F238E27FC236}">
+                <a16:creationId xmlns:a16="http://schemas.microsoft.com/office/drawing/2014/main" id="{9DD02FE3-263D-413E-B67A-67E08B3C06D7}"/>
+              </a:ext>
+            </a:extLst>
+          </p:cNvPr>
+          <p:cNvCxnSpPr>
+            <a:cxnSpLocks/>
+            <a:stCxn id="32" idx="2"/>
+            <a:endCxn id="133" idx="0"/>
+          </p:cNvCxnSpPr>
+          <p:nvPr/>
+        </p:nvCxnSpPr>
+        <p:spPr>
+          <a:xfrm>
+            <a:off x="3432696" y="6408142"/>
+            <a:ext cx="13625" cy="298609"/>
+          </a:xfrm>
+          <a:prstGeom prst="straightConnector1">
+            <a:avLst/>
+          </a:prstGeom>
+          <a:ln>
+            <a:tailEnd type="triangle"/>
+          </a:ln>
+        </p:spPr>
+        <p:style>
+          <a:lnRef idx="1">
+            <a:schemeClr val="accent1"/>
+          </a:lnRef>
+          <a:fillRef idx="0">
+            <a:schemeClr val="accent1"/>
+          </a:fillRef>
+          <a:effectRef idx="0">
+            <a:schemeClr val="accent1"/>
+          </a:effectRef>
+          <a:fontRef idx="minor">
+            <a:schemeClr val="tx1"/>
+          </a:fontRef>
+        </p:style>
+      </p:cxnSp>
+      <p:sp>
+        <p:nvSpPr>
+          <p:cNvPr id="133" name="Rettangolo 249">
+            <a:extLst>
+              <a:ext uri="{FF2B5EF4-FFF2-40B4-BE49-F238E27FC236}">
+                <a16:creationId xmlns:a16="http://schemas.microsoft.com/office/drawing/2014/main" id="{E6A127F6-B477-40BC-84B4-6A1318DA699F}"/>
+              </a:ext>
+            </a:extLst>
+          </p:cNvPr>
+          <p:cNvSpPr/>
+          <p:nvPr/>
+        </p:nvSpPr>
+        <p:spPr>
+          <a:xfrm>
+            <a:off x="2449541" y="6706751"/>
+            <a:ext cx="1993559" cy="292388"/>
+          </a:xfrm>
+          <a:prstGeom prst="rect">
+            <a:avLst/>
+          </a:prstGeom>
+        </p:spPr>
+        <p:txBody>
+          <a:bodyPr wrap="none">
+            <a:spAutoFit/>
+          </a:bodyPr>
+          <a:lstStyle/>
+          <a:p>
+            <a:r>
+              <a:rPr lang="en-US" sz="1300" dirty="0"/>
+              <a:t>Submit a exam to students</a:t>
             </a:r>
             <a:endParaRPr lang="it-IT" sz="1300" dirty="0"/>
           </a:p>
@@ -5240,7 +4768,7 @@
         </p:nvSpPr>
         <p:spPr>
           <a:xfrm>
-            <a:off x="4061795" y="923958"/>
+            <a:off x="4132594" y="870190"/>
             <a:ext cx="114300" cy="121920"/>
           </a:xfrm>
           <a:prstGeom prst="ellipse">
@@ -5274,10 +4802,10 @@
       </p:sp>
       <p:sp>
         <p:nvSpPr>
-          <p:cNvPr id="18" name="Rectangle : coins arrondis 20">
-            <a:extLst>
-              <a:ext uri="{FF2B5EF4-FFF2-40B4-BE49-F238E27FC236}">
-                <a16:creationId xmlns:a16="http://schemas.microsoft.com/office/drawing/2014/main" id="{BEF43A9D-9B30-4598-B1BC-A7EAD6FD37D2}"/>
+          <p:cNvPr id="19" name="Rectangle : coins arrondis 23">
+            <a:extLst>
+              <a:ext uri="{FF2B5EF4-FFF2-40B4-BE49-F238E27FC236}">
+                <a16:creationId xmlns:a16="http://schemas.microsoft.com/office/drawing/2014/main" id="{AE34A617-7DAA-4E24-ADC7-9DF0155C459F}"/>
               </a:ext>
             </a:extLst>
           </p:cNvPr>
@@ -5286,8 +4814,8 @@
         </p:nvSpPr>
         <p:spPr>
           <a:xfrm>
-            <a:off x="833753" y="3338464"/>
-            <a:ext cx="2077042" cy="591820"/>
+            <a:off x="1044971" y="5239615"/>
+            <a:ext cx="1790700" cy="304800"/>
           </a:xfrm>
           <a:prstGeom prst="roundRect">
             <a:avLst>
@@ -5321,17 +4849,17 @@
             <a:pPr algn="ctr"/>
             <a:r>
               <a:rPr lang="en-US" sz="1200" b="1" dirty="0"/>
-              <a:t>Create a form depending exercise type (parameters)</a:t>
-            </a:r>
-          </a:p>
-        </p:txBody>
-      </p:sp>
-      <p:sp>
-        <p:nvSpPr>
-          <p:cNvPr id="19" name="Rectangle : coins arrondis 23">
-            <a:extLst>
-              <a:ext uri="{FF2B5EF4-FFF2-40B4-BE49-F238E27FC236}">
-                <a16:creationId xmlns:a16="http://schemas.microsoft.com/office/drawing/2014/main" id="{AE34A617-7DAA-4E24-ADC7-9DF0155C459F}"/>
+              <a:t>Check answer on fly</a:t>
+            </a:r>
+          </a:p>
+        </p:txBody>
+      </p:sp>
+      <p:sp>
+        <p:nvSpPr>
+          <p:cNvPr id="21" name="Rectangle : coins arrondis 28">
+            <a:extLst>
+              <a:ext uri="{FF2B5EF4-FFF2-40B4-BE49-F238E27FC236}">
+                <a16:creationId xmlns:a16="http://schemas.microsoft.com/office/drawing/2014/main" id="{892C267D-9B33-40DB-8358-1AF148BA7D79}"/>
               </a:ext>
             </a:extLst>
           </p:cNvPr>
@@ -5340,8 +4868,8 @@
         </p:nvSpPr>
         <p:spPr>
           <a:xfrm>
-            <a:off x="893151" y="6719905"/>
-            <a:ext cx="1790700" cy="304800"/>
+            <a:off x="954987" y="2748199"/>
+            <a:ext cx="1963049" cy="413228"/>
           </a:xfrm>
           <a:prstGeom prst="roundRect">
             <a:avLst>
@@ -5375,17 +4903,24 @@
             <a:pPr algn="ctr"/>
             <a:r>
               <a:rPr lang="en-US" sz="1200" b="1" dirty="0"/>
-              <a:t>Check answer </a:t>
-            </a:r>
-          </a:p>
-        </p:txBody>
-      </p:sp>
-      <p:sp>
-        <p:nvSpPr>
-          <p:cNvPr id="20" name="Rectangle : coins arrondis 26">
-            <a:extLst>
-              <a:ext uri="{FF2B5EF4-FFF2-40B4-BE49-F238E27FC236}">
-                <a16:creationId xmlns:a16="http://schemas.microsoft.com/office/drawing/2014/main" id="{C69B86F6-4E70-4F09-8BDD-952D82996CB3}"/>
+              <a:t>Create multiple exercises</a:t>
+            </a:r>
+          </a:p>
+          <a:p>
+            <a:pPr algn="ctr"/>
+            <a:r>
+              <a:rPr lang="en-US" sz="1200" b="1" dirty="0"/>
+              <a:t>With default parameter</a:t>
+            </a:r>
+          </a:p>
+        </p:txBody>
+      </p:sp>
+      <p:sp>
+        <p:nvSpPr>
+          <p:cNvPr id="23" name="Rectangle : coins arrondis 32">
+            <a:extLst>
+              <a:ext uri="{FF2B5EF4-FFF2-40B4-BE49-F238E27FC236}">
+                <a16:creationId xmlns:a16="http://schemas.microsoft.com/office/drawing/2014/main" id="{B849D435-7E3B-4506-BC8D-1427723E78B1}"/>
               </a:ext>
             </a:extLst>
           </p:cNvPr>
@@ -5394,8 +4929,8 @@
         </p:nvSpPr>
         <p:spPr>
           <a:xfrm>
-            <a:off x="3220394" y="4124723"/>
-            <a:ext cx="1532660" cy="486717"/>
+            <a:off x="2294172" y="5886750"/>
+            <a:ext cx="1402875" cy="498474"/>
           </a:xfrm>
           <a:prstGeom prst="roundRect">
             <a:avLst>
@@ -5424,17 +4959,17 @@
             <a:pPr algn="ctr"/>
             <a:r>
               <a:rPr lang="en-US" sz="1200" b="1" dirty="0"/>
-              <a:t>Fill the form of parameters</a:t>
-            </a:r>
-          </a:p>
-        </p:txBody>
-      </p:sp>
-      <p:sp>
-        <p:nvSpPr>
-          <p:cNvPr id="21" name="Rectangle : coins arrondis 28">
-            <a:extLst>
-              <a:ext uri="{FF2B5EF4-FFF2-40B4-BE49-F238E27FC236}">
-                <a16:creationId xmlns:a16="http://schemas.microsoft.com/office/drawing/2014/main" id="{892C267D-9B33-40DB-8358-1AF148BA7D79}"/>
+              <a:t>Create feedback (student)</a:t>
+            </a:r>
+          </a:p>
+        </p:txBody>
+      </p:sp>
+      <p:sp>
+        <p:nvSpPr>
+          <p:cNvPr id="24" name="Rectangle : coins arrondis 34">
+            <a:extLst>
+              <a:ext uri="{FF2B5EF4-FFF2-40B4-BE49-F238E27FC236}">
+                <a16:creationId xmlns:a16="http://schemas.microsoft.com/office/drawing/2014/main" id="{AA5E9049-B0AE-4D94-8480-7CD277CFF65B}"/>
               </a:ext>
             </a:extLst>
           </p:cNvPr>
@@ -5443,19 +4978,14 @@
         </p:nvSpPr>
         <p:spPr>
           <a:xfrm>
-            <a:off x="919306" y="4767642"/>
-            <a:ext cx="1963049" cy="413228"/>
+            <a:off x="3159359" y="6545528"/>
+            <a:ext cx="1790700" cy="304800"/>
           </a:xfrm>
           <a:prstGeom prst="roundRect">
             <a:avLst>
               <a:gd name="adj" fmla="val 50000"/>
             </a:avLst>
           </a:prstGeom>
-          <a:ln>
-            <a:solidFill>
-              <a:srgbClr val="FF0000"/>
-            </a:solidFill>
-          </a:ln>
         </p:spPr>
         <p:style>
           <a:lnRef idx="2">
@@ -5478,153 +5008,6 @@
             <a:pPr algn="ctr"/>
             <a:r>
               <a:rPr lang="en-US" sz="1200" b="1" dirty="0"/>
-              <a:t>Create multiple exercises (and answer if exam)</a:t>
-            </a:r>
-          </a:p>
-        </p:txBody>
-      </p:sp>
-      <p:sp>
-        <p:nvSpPr>
-          <p:cNvPr id="22" name="Rectangle : coins arrondis 31">
-            <a:extLst>
-              <a:ext uri="{FF2B5EF4-FFF2-40B4-BE49-F238E27FC236}">
-                <a16:creationId xmlns:a16="http://schemas.microsoft.com/office/drawing/2014/main" id="{6072056F-6F47-4E86-AA59-B4323842F818}"/>
-              </a:ext>
-            </a:extLst>
-          </p:cNvPr>
-          <p:cNvSpPr/>
-          <p:nvPr/>
-        </p:nvSpPr>
-        <p:spPr>
-          <a:xfrm>
-            <a:off x="970994" y="6007067"/>
-            <a:ext cx="1847481" cy="402556"/>
-          </a:xfrm>
-          <a:prstGeom prst="roundRect">
-            <a:avLst>
-              <a:gd name="adj" fmla="val 50000"/>
-            </a:avLst>
-          </a:prstGeom>
-        </p:spPr>
-        <p:style>
-          <a:lnRef idx="2">
-            <a:schemeClr val="accent3"/>
-          </a:lnRef>
-          <a:fillRef idx="1">
-            <a:schemeClr val="lt1"/>
-          </a:fillRef>
-          <a:effectRef idx="0">
-            <a:schemeClr val="accent3"/>
-          </a:effectRef>
-          <a:fontRef idx="minor">
-            <a:schemeClr val="dk1"/>
-          </a:fontRef>
-        </p:style>
-        <p:txBody>
-          <a:bodyPr rtlCol="0" anchor="ctr"/>
-          <a:lstStyle/>
-          <a:p>
-            <a:pPr algn="ctr"/>
-            <a:r>
-              <a:rPr lang="en-US" sz="1200" b="1" dirty="0"/>
-              <a:t>Create a exam for student</a:t>
-            </a:r>
-          </a:p>
-        </p:txBody>
-      </p:sp>
-      <p:sp>
-        <p:nvSpPr>
-          <p:cNvPr id="23" name="Rectangle : coins arrondis 32">
-            <a:extLst>
-              <a:ext uri="{FF2B5EF4-FFF2-40B4-BE49-F238E27FC236}">
-                <a16:creationId xmlns:a16="http://schemas.microsoft.com/office/drawing/2014/main" id="{B849D435-7E3B-4506-BC8D-1427723E78B1}"/>
-              </a:ext>
-            </a:extLst>
-          </p:cNvPr>
-          <p:cNvSpPr/>
-          <p:nvPr/>
-        </p:nvSpPr>
-        <p:spPr>
-          <a:xfrm>
-            <a:off x="2358964" y="7702507"/>
-            <a:ext cx="1402875" cy="498474"/>
-          </a:xfrm>
-          <a:prstGeom prst="roundRect">
-            <a:avLst>
-              <a:gd name="adj" fmla="val 50000"/>
-            </a:avLst>
-          </a:prstGeom>
-        </p:spPr>
-        <p:style>
-          <a:lnRef idx="2">
-            <a:schemeClr val="accent3"/>
-          </a:lnRef>
-          <a:fillRef idx="1">
-            <a:schemeClr val="lt1"/>
-          </a:fillRef>
-          <a:effectRef idx="0">
-            <a:schemeClr val="accent3"/>
-          </a:effectRef>
-          <a:fontRef idx="minor">
-            <a:schemeClr val="dk1"/>
-          </a:fontRef>
-        </p:style>
-        <p:txBody>
-          <a:bodyPr rtlCol="0" anchor="ctr"/>
-          <a:lstStyle/>
-          <a:p>
-            <a:pPr algn="ctr"/>
-            <a:r>
-              <a:rPr lang="en-US" sz="1200" b="1" dirty="0"/>
-              <a:t>Create feedback (student)</a:t>
-            </a:r>
-          </a:p>
-        </p:txBody>
-      </p:sp>
-      <p:sp>
-        <p:nvSpPr>
-          <p:cNvPr id="24" name="Rectangle : coins arrondis 34">
-            <a:extLst>
-              <a:ext uri="{FF2B5EF4-FFF2-40B4-BE49-F238E27FC236}">
-                <a16:creationId xmlns:a16="http://schemas.microsoft.com/office/drawing/2014/main" id="{AA5E9049-B0AE-4D94-8480-7CD277CFF65B}"/>
-              </a:ext>
-            </a:extLst>
-          </p:cNvPr>
-          <p:cNvSpPr/>
-          <p:nvPr/>
-        </p:nvSpPr>
-        <p:spPr>
-          <a:xfrm>
-            <a:off x="3174309" y="8505744"/>
-            <a:ext cx="1790700" cy="304800"/>
-          </a:xfrm>
-          <a:prstGeom prst="roundRect">
-            <a:avLst>
-              <a:gd name="adj" fmla="val 50000"/>
-            </a:avLst>
-          </a:prstGeom>
-        </p:spPr>
-        <p:style>
-          <a:lnRef idx="2">
-            <a:schemeClr val="accent3"/>
-          </a:lnRef>
-          <a:fillRef idx="1">
-            <a:schemeClr val="lt1"/>
-          </a:fillRef>
-          <a:effectRef idx="0">
-            <a:schemeClr val="accent3"/>
-          </a:effectRef>
-          <a:fontRef idx="minor">
-            <a:schemeClr val="dk1"/>
-          </a:fontRef>
-        </p:style>
-        <p:txBody>
-          <a:bodyPr rtlCol="0" anchor="ctr"/>
-          <a:lstStyle/>
-          <a:p>
-            <a:pPr algn="ctr"/>
-            <a:r>
-              <a:rPr lang="en-US" sz="1200" b="1" dirty="0"/>
               <a:t>See the feedback</a:t>
             </a:r>
           </a:p>
@@ -5642,13 +5025,14 @@
           <p:cNvCxnSpPr>
             <a:cxnSpLocks/>
             <a:stCxn id="17" idx="4"/>
+            <a:endCxn id="55" idx="0"/>
           </p:cNvCxnSpPr>
           <p:nvPr/>
         </p:nvCxnSpPr>
         <p:spPr>
           <a:xfrm>
-            <a:off x="4118945" y="1045878"/>
-            <a:ext cx="0" cy="307340"/>
+            <a:off x="4189744" y="992110"/>
+            <a:ext cx="16703" cy="338442"/>
           </a:xfrm>
           <a:prstGeom prst="straightConnector1">
             <a:avLst/>
@@ -5686,14 +5070,15 @@
           </p:cNvPr>
           <p:cNvCxnSpPr>
             <a:cxnSpLocks/>
-            <a:endCxn id="43" idx="0"/>
+            <a:stCxn id="55" idx="2"/>
+            <a:endCxn id="65" idx="0"/>
           </p:cNvCxnSpPr>
           <p:nvPr/>
         </p:nvCxnSpPr>
         <p:spPr>
           <a:xfrm flipH="1">
-            <a:off x="3998831" y="1658018"/>
-            <a:ext cx="120116" cy="179277"/>
+            <a:off x="4054709" y="1664997"/>
+            <a:ext cx="151738" cy="387079"/>
           </a:xfrm>
           <a:prstGeom prst="straightConnector1">
             <a:avLst/>
@@ -5731,60 +5116,15 @@
           </p:cNvPr>
           <p:cNvCxnSpPr>
             <a:cxnSpLocks/>
-            <a:stCxn id="43" idx="4"/>
-            <a:endCxn id="18" idx="0"/>
+            <a:stCxn id="65" idx="1"/>
+            <a:endCxn id="21" idx="0"/>
           </p:cNvCxnSpPr>
           <p:nvPr/>
         </p:nvCxnSpPr>
         <p:spPr>
           <a:xfrm flipH="1">
-            <a:off x="1872274" y="2535311"/>
-            <a:ext cx="2126557" cy="803153"/>
-          </a:xfrm>
-          <a:prstGeom prst="straightConnector1">
-            <a:avLst/>
-          </a:prstGeom>
-          <a:ln w="19050">
-            <a:solidFill>
-              <a:schemeClr val="tx1"/>
-            </a:solidFill>
-            <a:tailEnd type="triangle"/>
-          </a:ln>
-        </p:spPr>
-        <p:style>
-          <a:lnRef idx="1">
-            <a:schemeClr val="accent1"/>
-          </a:lnRef>
-          <a:fillRef idx="0">
-            <a:schemeClr val="accent1"/>
-          </a:fillRef>
-          <a:effectRef idx="0">
-            <a:schemeClr val="accent1"/>
-          </a:effectRef>
-          <a:fontRef idx="minor">
-            <a:schemeClr val="tx1"/>
-          </a:fontRef>
-        </p:style>
-      </p:cxnSp>
-      <p:cxnSp>
-        <p:nvCxnSpPr>
-          <p:cNvPr id="28" name="Connecteur droit avec flèche 98">
-            <a:extLst>
-              <a:ext uri="{FF2B5EF4-FFF2-40B4-BE49-F238E27FC236}">
-                <a16:creationId xmlns:a16="http://schemas.microsoft.com/office/drawing/2014/main" id="{7C8A91C2-8EB5-4DE9-8A72-000A71C4A0FF}"/>
-              </a:ext>
-            </a:extLst>
-          </p:cNvPr>
-          <p:cNvCxnSpPr>
-            <a:cxnSpLocks/>
-            <a:stCxn id="22" idx="3"/>
-          </p:cNvCxnSpPr>
-          <p:nvPr/>
-        </p:nvCxnSpPr>
-        <p:spPr>
-          <a:xfrm flipV="1">
-            <a:off x="2818475" y="5616208"/>
-            <a:ext cx="1606557" cy="592137"/>
+            <a:off x="1936512" y="2301541"/>
+            <a:ext cx="1108082" cy="446658"/>
           </a:xfrm>
           <a:prstGeom prst="straightConnector1">
             <a:avLst/>
@@ -5822,13 +5162,15 @@
           </p:cNvPr>
           <p:cNvCxnSpPr>
             <a:cxnSpLocks/>
+            <a:stCxn id="55" idx="3"/>
+            <a:endCxn id="94" idx="1"/>
           </p:cNvCxnSpPr>
           <p:nvPr/>
         </p:nvCxnSpPr>
         <p:spPr>
-          <a:xfrm flipH="1">
-            <a:off x="4100105" y="5641947"/>
-            <a:ext cx="622525" cy="714952"/>
+          <a:xfrm>
+            <a:off x="5216562" y="1497775"/>
+            <a:ext cx="285965" cy="900830"/>
           </a:xfrm>
           <a:prstGeom prst="straightConnector1">
             <a:avLst/>
@@ -5867,60 +5209,14 @@
           <p:cNvCxnSpPr>
             <a:cxnSpLocks/>
             <a:stCxn id="21" idx="2"/>
-            <a:endCxn id="40" idx="0"/>
+            <a:endCxn id="73" idx="0"/>
           </p:cNvCxnSpPr>
           <p:nvPr/>
         </p:nvCxnSpPr>
         <p:spPr>
-          <a:xfrm flipH="1">
-            <a:off x="1894735" y="5180870"/>
-            <a:ext cx="6096" cy="288643"/>
-          </a:xfrm>
-          <a:prstGeom prst="straightConnector1">
-            <a:avLst/>
-          </a:prstGeom>
-          <a:ln w="19050">
-            <a:solidFill>
-              <a:schemeClr val="tx1"/>
-            </a:solidFill>
-            <a:tailEnd type="triangle"/>
-          </a:ln>
-        </p:spPr>
-        <p:style>
-          <a:lnRef idx="1">
-            <a:schemeClr val="accent1"/>
-          </a:lnRef>
-          <a:fillRef idx="0">
-            <a:schemeClr val="accent1"/>
-          </a:fillRef>
-          <a:effectRef idx="0">
-            <a:schemeClr val="accent1"/>
-          </a:effectRef>
-          <a:fontRef idx="minor">
-            <a:schemeClr val="tx1"/>
-          </a:fontRef>
-        </p:style>
-      </p:cxnSp>
-      <p:cxnSp>
-        <p:nvCxnSpPr>
-          <p:cNvPr id="31" name="Connecteur droit avec flèche 166">
-            <a:extLst>
-              <a:ext uri="{FF2B5EF4-FFF2-40B4-BE49-F238E27FC236}">
-                <a16:creationId xmlns:a16="http://schemas.microsoft.com/office/drawing/2014/main" id="{6947A033-688E-4E90-996E-C35FF065A994}"/>
-              </a:ext>
-            </a:extLst>
-          </p:cNvPr>
-          <p:cNvCxnSpPr>
-            <a:cxnSpLocks/>
-            <a:stCxn id="44" idx="3"/>
-            <a:endCxn id="23" idx="0"/>
-          </p:cNvCxnSpPr>
-          <p:nvPr/>
-        </p:nvCxnSpPr>
-        <p:spPr>
-          <a:xfrm>
-            <a:off x="2047527" y="7337558"/>
-            <a:ext cx="1012875" cy="364949"/>
+          <a:xfrm>
+            <a:off x="1936512" y="3161427"/>
+            <a:ext cx="2412917" cy="604980"/>
           </a:xfrm>
           <a:prstGeom prst="straightConnector1">
             <a:avLst/>
@@ -5965,8 +5261,8 @@
         </p:nvCxnSpPr>
         <p:spPr>
           <a:xfrm>
-            <a:off x="3761839" y="7951744"/>
-            <a:ext cx="307820" cy="554000"/>
+            <a:off x="3697047" y="6135987"/>
+            <a:ext cx="357662" cy="409541"/>
           </a:xfrm>
           <a:prstGeom prst="straightConnector1">
             <a:avLst/>
@@ -6007,8 +5303,8 @@
         </p:nvSpPr>
         <p:spPr>
           <a:xfrm>
-            <a:off x="3933324" y="9406705"/>
-            <a:ext cx="242771" cy="262639"/>
+            <a:off x="3980042" y="7275937"/>
+            <a:ext cx="150536" cy="162856"/>
           </a:xfrm>
           <a:prstGeom prst="ellipse">
             <a:avLst/>
@@ -6051,13 +5347,14 @@
           <p:cNvCxnSpPr>
             <a:cxnSpLocks/>
             <a:stCxn id="24" idx="2"/>
+            <a:endCxn id="33" idx="0"/>
           </p:cNvCxnSpPr>
           <p:nvPr/>
         </p:nvCxnSpPr>
         <p:spPr>
           <a:xfrm>
-            <a:off x="4069659" y="8810544"/>
-            <a:ext cx="0" cy="554000"/>
+            <a:off x="4054709" y="6850328"/>
+            <a:ext cx="601" cy="425609"/>
           </a:xfrm>
           <a:prstGeom prst="straightConnector1">
             <a:avLst/>
@@ -6086,10 +5383,89 @@
       </p:cxnSp>
       <p:sp>
         <p:nvSpPr>
-          <p:cNvPr id="35" name="Organigramme : Décision 231">
-            <a:extLst>
-              <a:ext uri="{FF2B5EF4-FFF2-40B4-BE49-F238E27FC236}">
-                <a16:creationId xmlns:a16="http://schemas.microsoft.com/office/drawing/2014/main" id="{2670556D-3B82-441F-BF7B-629B5EFD7960}"/>
+          <p:cNvPr id="41" name="ZoneTexte 267">
+            <a:extLst>
+              <a:ext uri="{FF2B5EF4-FFF2-40B4-BE49-F238E27FC236}">
+                <a16:creationId xmlns:a16="http://schemas.microsoft.com/office/drawing/2014/main" id="{1E875F60-1446-4AC4-9DF9-BBEA23EF77A8}"/>
+              </a:ext>
+            </a:extLst>
+          </p:cNvPr>
+          <p:cNvSpPr txBox="1"/>
+          <p:nvPr/>
+        </p:nvSpPr>
+        <p:spPr>
+          <a:xfrm>
+            <a:off x="5454802" y="4792208"/>
+            <a:ext cx="1221451" cy="307777"/>
+          </a:xfrm>
+          <a:prstGeom prst="rect">
+            <a:avLst/>
+          </a:prstGeom>
+          <a:noFill/>
+        </p:spPr>
+        <p:txBody>
+          <a:bodyPr wrap="square" rtlCol="0">
+            <a:spAutoFit/>
+          </a:bodyPr>
+          <a:lstStyle/>
+          <a:p>
+            <a:pPr algn="ctr"/>
+            <a:r>
+              <a:rPr lang="en-US" sz="1400" dirty="0"/>
+              <a:t>prof feedback</a:t>
+            </a:r>
+          </a:p>
+        </p:txBody>
+      </p:sp>
+      <p:cxnSp>
+        <p:nvCxnSpPr>
+          <p:cNvPr id="42" name="Connecteur droit avec flèche 305">
+            <a:extLst>
+              <a:ext uri="{FF2B5EF4-FFF2-40B4-BE49-F238E27FC236}">
+                <a16:creationId xmlns:a16="http://schemas.microsoft.com/office/drawing/2014/main" id="{E1AE9429-AE0B-4AF5-AA5A-02184BF1FEB3}"/>
+              </a:ext>
+            </a:extLst>
+          </p:cNvPr>
+          <p:cNvCxnSpPr>
+            <a:cxnSpLocks/>
+            <a:stCxn id="44" idx="3"/>
+            <a:endCxn id="41" idx="1"/>
+          </p:cNvCxnSpPr>
+          <p:nvPr/>
+        </p:nvCxnSpPr>
+        <p:spPr>
+          <a:xfrm>
+            <a:off x="4527926" y="4635450"/>
+            <a:ext cx="926876" cy="310647"/>
+          </a:xfrm>
+          <a:prstGeom prst="straightConnector1">
+            <a:avLst/>
+          </a:prstGeom>
+          <a:ln>
+            <a:tailEnd type="triangle"/>
+          </a:ln>
+        </p:spPr>
+        <p:style>
+          <a:lnRef idx="1">
+            <a:schemeClr val="accent1"/>
+          </a:lnRef>
+          <a:fillRef idx="0">
+            <a:schemeClr val="accent1"/>
+          </a:fillRef>
+          <a:effectRef idx="0">
+            <a:schemeClr val="accent1"/>
+          </a:effectRef>
+          <a:fontRef idx="minor">
+            <a:schemeClr val="tx1"/>
+          </a:fontRef>
+        </p:style>
+      </p:cxnSp>
+      <p:sp>
+        <p:nvSpPr>
+          <p:cNvPr id="44" name="Organigramme : Décision 265">
+            <a:extLst>
+              <a:ext uri="{FF2B5EF4-FFF2-40B4-BE49-F238E27FC236}">
+                <a16:creationId xmlns:a16="http://schemas.microsoft.com/office/drawing/2014/main" id="{8F6CE7FD-C33F-449E-A079-FD1F22A151A8}"/>
               </a:ext>
             </a:extLst>
           </p:cNvPr>
@@ -6098,7 +5474,7 @@
         </p:nvSpPr>
         <p:spPr>
           <a:xfrm>
-            <a:off x="1704138" y="4235084"/>
+            <a:off x="4170932" y="4516108"/>
             <a:ext cx="356994" cy="238684"/>
           </a:xfrm>
           <a:prstGeom prst="flowChartDecision">
@@ -6135,24 +5511,24 @@
       </p:sp>
       <p:cxnSp>
         <p:nvCxnSpPr>
-          <p:cNvPr id="36" name="Connecteur droit avec flèche 232">
-            <a:extLst>
-              <a:ext uri="{FF2B5EF4-FFF2-40B4-BE49-F238E27FC236}">
-                <a16:creationId xmlns:a16="http://schemas.microsoft.com/office/drawing/2014/main" id="{EEE5EE56-8992-43F2-BEF9-51194A03446C}"/>
+          <p:cNvPr id="45" name="Connecteur droit avec flèche 118">
+            <a:extLst>
+              <a:ext uri="{FF2B5EF4-FFF2-40B4-BE49-F238E27FC236}">
+                <a16:creationId xmlns:a16="http://schemas.microsoft.com/office/drawing/2014/main" id="{F4EE4744-802F-4D95-A002-D29C21B543A6}"/>
               </a:ext>
             </a:extLst>
           </p:cNvPr>
           <p:cNvCxnSpPr>
             <a:cxnSpLocks/>
-            <a:stCxn id="18" idx="2"/>
-            <a:endCxn id="35" idx="0"/>
+            <a:stCxn id="73" idx="2"/>
+            <a:endCxn id="44" idx="0"/>
           </p:cNvCxnSpPr>
           <p:nvPr/>
         </p:nvCxnSpPr>
         <p:spPr>
           <a:xfrm>
-            <a:off x="1872274" y="3930284"/>
-            <a:ext cx="10361" cy="304800"/>
+            <a:off x="4349429" y="4083519"/>
+            <a:ext cx="0" cy="432589"/>
           </a:xfrm>
           <a:prstGeom prst="straightConnector1">
             <a:avLst/>
@@ -6181,24 +5557,24 @@
       </p:cxnSp>
       <p:cxnSp>
         <p:nvCxnSpPr>
-          <p:cNvPr id="37" name="Connecteur droit avec flèche 240">
-            <a:extLst>
-              <a:ext uri="{FF2B5EF4-FFF2-40B4-BE49-F238E27FC236}">
-                <a16:creationId xmlns:a16="http://schemas.microsoft.com/office/drawing/2014/main" id="{EA7666CA-FFAF-47A1-9AA1-D1003AD7D211}"/>
+          <p:cNvPr id="48" name="Connecteur droit avec flèche 115">
+            <a:extLst>
+              <a:ext uri="{FF2B5EF4-FFF2-40B4-BE49-F238E27FC236}">
+                <a16:creationId xmlns:a16="http://schemas.microsoft.com/office/drawing/2014/main" id="{BA8E9EFE-8B31-4CB0-8400-3A2F281367E8}"/>
               </a:ext>
             </a:extLst>
           </p:cNvPr>
           <p:cNvCxnSpPr>
             <a:cxnSpLocks/>
-            <a:stCxn id="35" idx="3"/>
-            <a:endCxn id="20" idx="1"/>
+            <a:stCxn id="44" idx="1"/>
+            <a:endCxn id="19" idx="0"/>
           </p:cNvCxnSpPr>
           <p:nvPr/>
         </p:nvCxnSpPr>
         <p:spPr>
-          <a:xfrm>
-            <a:off x="2061132" y="4354426"/>
-            <a:ext cx="1159262" cy="13656"/>
+          <a:xfrm flipH="1">
+            <a:off x="1940321" y="4635450"/>
+            <a:ext cx="2230611" cy="604165"/>
           </a:xfrm>
           <a:prstGeom prst="straightConnector1">
             <a:avLst/>
@@ -6227,67 +5603,247 @@
       </p:cxnSp>
       <p:sp>
         <p:nvSpPr>
-          <p:cNvPr id="38" name="ZoneTexte 243">
-            <a:extLst>
-              <a:ext uri="{FF2B5EF4-FFF2-40B4-BE49-F238E27FC236}">
-                <a16:creationId xmlns:a16="http://schemas.microsoft.com/office/drawing/2014/main" id="{70ACCFF5-0AED-43AA-84D4-30460503E35C}"/>
-              </a:ext>
-            </a:extLst>
-          </p:cNvPr>
-          <p:cNvSpPr txBox="1"/>
-          <p:nvPr/>
-        </p:nvSpPr>
-        <p:spPr>
-          <a:xfrm>
-            <a:off x="2226565" y="4076700"/>
-            <a:ext cx="910335" cy="307777"/>
+          <p:cNvPr id="55" name="Rectangle : coins arrondis 17">
+            <a:extLst>
+              <a:ext uri="{FF2B5EF4-FFF2-40B4-BE49-F238E27FC236}">
+                <a16:creationId xmlns:a16="http://schemas.microsoft.com/office/drawing/2014/main" id="{4FDD090C-F691-4CBC-92C0-C4F41DF6668F}"/>
+              </a:ext>
+            </a:extLst>
+          </p:cNvPr>
+          <p:cNvSpPr/>
+          <p:nvPr/>
+        </p:nvSpPr>
+        <p:spPr>
+          <a:xfrm>
+            <a:off x="3196332" y="1330552"/>
+            <a:ext cx="2020230" cy="334445"/>
+          </a:xfrm>
+          <a:prstGeom prst="roundRect">
+            <a:avLst>
+              <a:gd name="adj" fmla="val 50000"/>
+            </a:avLst>
+          </a:prstGeom>
+          <a:ln>
+            <a:solidFill>
+              <a:schemeClr val="tx1">
+                <a:lumMod val="95000"/>
+                <a:lumOff val="5000"/>
+              </a:schemeClr>
+            </a:solidFill>
+          </a:ln>
+        </p:spPr>
+        <p:style>
+          <a:lnRef idx="2">
+            <a:schemeClr val="accent3"/>
+          </a:lnRef>
+          <a:fillRef idx="1">
+            <a:schemeClr val="lt1"/>
+          </a:fillRef>
+          <a:effectRef idx="0">
+            <a:schemeClr val="accent3"/>
+          </a:effectRef>
+          <a:fontRef idx="minor">
+            <a:schemeClr val="dk1"/>
+          </a:fontRef>
+        </p:style>
+        <p:txBody>
+          <a:bodyPr rtlCol="0" anchor="ctr"/>
+          <a:lstStyle/>
+          <a:p>
+            <a:pPr algn="ctr"/>
+            <a:r>
+              <a:rPr lang="en-US" sz="1200" b="1" dirty="0"/>
+              <a:t>Connect as student</a:t>
+            </a:r>
+          </a:p>
+        </p:txBody>
+      </p:sp>
+      <p:sp>
+        <p:nvSpPr>
+          <p:cNvPr id="56" name="Rectangle 13">
+            <a:extLst>
+              <a:ext uri="{FF2B5EF4-FFF2-40B4-BE49-F238E27FC236}">
+                <a16:creationId xmlns:a16="http://schemas.microsoft.com/office/drawing/2014/main" id="{38E3BB25-3D86-496C-AE8E-3FC352C765A5}"/>
+              </a:ext>
+            </a:extLst>
+          </p:cNvPr>
+          <p:cNvSpPr/>
+          <p:nvPr/>
+        </p:nvSpPr>
+        <p:spPr>
+          <a:xfrm>
+            <a:off x="3445138" y="302654"/>
+            <a:ext cx="1935480" cy="396240"/>
           </a:xfrm>
           <a:prstGeom prst="rect">
             <a:avLst/>
           </a:prstGeom>
-          <a:noFill/>
-        </p:spPr>
-        <p:txBody>
-          <a:bodyPr wrap="square" rtlCol="0">
-            <a:spAutoFit/>
-          </a:bodyPr>
-          <a:lstStyle/>
-          <a:p>
-            <a:r>
-              <a:rPr lang="en-US" sz="1400" dirty="0"/>
-              <a:t>[training]</a:t>
+        </p:spPr>
+        <p:style>
+          <a:lnRef idx="2">
+            <a:schemeClr val="accent6"/>
+          </a:lnRef>
+          <a:fillRef idx="1">
+            <a:schemeClr val="lt1"/>
+          </a:fillRef>
+          <a:effectRef idx="0">
+            <a:schemeClr val="accent6"/>
+          </a:effectRef>
+          <a:fontRef idx="minor">
+            <a:schemeClr val="dk1"/>
+          </a:fontRef>
+        </p:style>
+        <p:txBody>
+          <a:bodyPr rtlCol="0" anchor="ctr"/>
+          <a:lstStyle/>
+          <a:p>
+            <a:pPr algn="ctr"/>
+            <a:r>
+              <a:rPr lang="en-US" b="1" dirty="0"/>
+              <a:t>Student</a:t>
+            </a:r>
+          </a:p>
+        </p:txBody>
+      </p:sp>
+      <p:sp>
+        <p:nvSpPr>
+          <p:cNvPr id="65" name="Rectangle : coins arrondis 17">
+            <a:extLst>
+              <a:ext uri="{FF2B5EF4-FFF2-40B4-BE49-F238E27FC236}">
+                <a16:creationId xmlns:a16="http://schemas.microsoft.com/office/drawing/2014/main" id="{117D0913-8233-425A-AC75-7E0383630471}"/>
+              </a:ext>
+            </a:extLst>
+          </p:cNvPr>
+          <p:cNvSpPr/>
+          <p:nvPr/>
+        </p:nvSpPr>
+        <p:spPr>
+          <a:xfrm>
+            <a:off x="3044594" y="2052076"/>
+            <a:ext cx="2020230" cy="498929"/>
+          </a:xfrm>
+          <a:prstGeom prst="roundRect">
+            <a:avLst>
+              <a:gd name="adj" fmla="val 50000"/>
+            </a:avLst>
+          </a:prstGeom>
+          <a:ln>
+            <a:solidFill>
+              <a:schemeClr val="tx1">
+                <a:lumMod val="95000"/>
+                <a:lumOff val="5000"/>
+              </a:schemeClr>
+            </a:solidFill>
+          </a:ln>
+        </p:spPr>
+        <p:style>
+          <a:lnRef idx="2">
+            <a:schemeClr val="accent3"/>
+          </a:lnRef>
+          <a:fillRef idx="1">
+            <a:schemeClr val="lt1"/>
+          </a:fillRef>
+          <a:effectRef idx="0">
+            <a:schemeClr val="accent3"/>
+          </a:effectRef>
+          <a:fontRef idx="minor">
+            <a:schemeClr val="dk1"/>
+          </a:fontRef>
+        </p:style>
+        <p:txBody>
+          <a:bodyPr rtlCol="0" anchor="ctr"/>
+          <a:lstStyle/>
+          <a:p>
+            <a:pPr algn="ctr"/>
+            <a:r>
+              <a:rPr lang="it-IT" sz="1200" b="1" dirty="0"/>
+              <a:t>Want to train and choose a skill to improve</a:t>
+            </a:r>
+          </a:p>
+        </p:txBody>
+      </p:sp>
+      <p:sp>
+        <p:nvSpPr>
+          <p:cNvPr id="73" name="Rectangle : coins arrondis 17">
+            <a:extLst>
+              <a:ext uri="{FF2B5EF4-FFF2-40B4-BE49-F238E27FC236}">
+                <a16:creationId xmlns:a16="http://schemas.microsoft.com/office/drawing/2014/main" id="{6D3C5778-A6FA-41DF-A2D0-2BD45CBAF36C}"/>
+              </a:ext>
+            </a:extLst>
+          </p:cNvPr>
+          <p:cNvSpPr/>
+          <p:nvPr/>
+        </p:nvSpPr>
+        <p:spPr>
+          <a:xfrm>
+            <a:off x="3339314" y="3766407"/>
+            <a:ext cx="2020230" cy="317112"/>
+          </a:xfrm>
+          <a:prstGeom prst="roundRect">
+            <a:avLst>
+              <a:gd name="adj" fmla="val 50000"/>
+            </a:avLst>
+          </a:prstGeom>
+          <a:ln>
+            <a:solidFill>
+              <a:schemeClr val="tx1">
+                <a:lumMod val="95000"/>
+                <a:lumOff val="5000"/>
+              </a:schemeClr>
+            </a:solidFill>
+          </a:ln>
+        </p:spPr>
+        <p:style>
+          <a:lnRef idx="2">
+            <a:schemeClr val="accent3"/>
+          </a:lnRef>
+          <a:fillRef idx="1">
+            <a:schemeClr val="lt1"/>
+          </a:fillRef>
+          <a:effectRef idx="0">
+            <a:schemeClr val="accent3"/>
+          </a:effectRef>
+          <a:fontRef idx="minor">
+            <a:schemeClr val="dk1"/>
+          </a:fontRef>
+        </p:style>
+        <p:txBody>
+          <a:bodyPr rtlCol="0" anchor="ctr"/>
+          <a:lstStyle/>
+          <a:p>
+            <a:pPr algn="ctr"/>
+            <a:r>
+              <a:rPr lang="it-IT" sz="1200" b="1" dirty="0"/>
+              <a:t>Answer questions</a:t>
             </a:r>
           </a:p>
         </p:txBody>
       </p:sp>
       <p:cxnSp>
         <p:nvCxnSpPr>
-          <p:cNvPr id="39" name="Connecteur droit avec flèche 257">
-            <a:extLst>
-              <a:ext uri="{FF2B5EF4-FFF2-40B4-BE49-F238E27FC236}">
-                <a16:creationId xmlns:a16="http://schemas.microsoft.com/office/drawing/2014/main" id="{3B1C2F18-705C-4982-886D-AE383C86978E}"/>
+          <p:cNvPr id="83" name="Connecteur droit avec flèche 305">
+            <a:extLst>
+              <a:ext uri="{FF2B5EF4-FFF2-40B4-BE49-F238E27FC236}">
+                <a16:creationId xmlns:a16="http://schemas.microsoft.com/office/drawing/2014/main" id="{4F16CD31-C7EF-4490-B429-ED0A8D36C60E}"/>
               </a:ext>
             </a:extLst>
           </p:cNvPr>
           <p:cNvCxnSpPr>
             <a:cxnSpLocks/>
-            <a:stCxn id="20" idx="2"/>
-            <a:endCxn id="21" idx="3"/>
+            <a:stCxn id="88" idx="2"/>
+            <a:endCxn id="94" idx="3"/>
           </p:cNvCxnSpPr>
           <p:nvPr/>
         </p:nvCxnSpPr>
         <p:spPr>
-          <a:xfrm flipH="1">
-            <a:off x="2882355" y="4611440"/>
-            <a:ext cx="1104369" cy="362816"/>
+          <a:xfrm>
+            <a:off x="6209974" y="1453719"/>
+            <a:ext cx="306940" cy="944886"/>
           </a:xfrm>
           <a:prstGeom prst="straightConnector1">
             <a:avLst/>
           </a:prstGeom>
-          <a:ln w="19050">
-            <a:solidFill>
-              <a:schemeClr val="tx1"/>
-            </a:solidFill>
+          <a:ln>
             <a:tailEnd type="triangle"/>
           </a:ln>
         </p:spPr>
@@ -6308,10 +5864,10 @@
       </p:cxnSp>
       <p:sp>
         <p:nvSpPr>
-          <p:cNvPr id="40" name="Organigramme : Décision 265">
-            <a:extLst>
-              <a:ext uri="{FF2B5EF4-FFF2-40B4-BE49-F238E27FC236}">
-                <a16:creationId xmlns:a16="http://schemas.microsoft.com/office/drawing/2014/main" id="{C7154BA0-73E0-4022-BB2E-8290EA3FC89A}"/>
+          <p:cNvPr id="88" name="Rettangolo 249">
+            <a:extLst>
+              <a:ext uri="{FF2B5EF4-FFF2-40B4-BE49-F238E27FC236}">
+                <a16:creationId xmlns:a16="http://schemas.microsoft.com/office/drawing/2014/main" id="{7B34AA60-C048-4A5A-8F20-3BFA88767C5E}"/>
               </a:ext>
             </a:extLst>
           </p:cNvPr>
@@ -6320,15 +5876,47 @@
         </p:nvSpPr>
         <p:spPr>
           <a:xfrm>
-            <a:off x="1716238" y="5469513"/>
-            <a:ext cx="356994" cy="238684"/>
-          </a:xfrm>
-          <a:prstGeom prst="flowChartDecision">
+            <a:off x="5657098" y="1161331"/>
+            <a:ext cx="1105752" cy="292388"/>
+          </a:xfrm>
+          <a:prstGeom prst="rect">
             <a:avLst/>
           </a:prstGeom>
-          <a:solidFill>
-            <a:schemeClr val="bg1"/>
-          </a:solidFill>
+        </p:spPr>
+        <p:txBody>
+          <a:bodyPr wrap="none">
+            <a:spAutoFit/>
+          </a:bodyPr>
+          <a:lstStyle/>
+          <a:p>
+            <a:r>
+              <a:rPr lang="en-US" sz="1300" dirty="0"/>
+              <a:t>Exam request</a:t>
+            </a:r>
+            <a:endParaRPr lang="it-IT" sz="1300" dirty="0"/>
+          </a:p>
+        </p:txBody>
+      </p:sp>
+      <p:sp>
+        <p:nvSpPr>
+          <p:cNvPr id="94" name="Rectangle 93">
+            <a:extLst>
+              <a:ext uri="{FF2B5EF4-FFF2-40B4-BE49-F238E27FC236}">
+                <a16:creationId xmlns:a16="http://schemas.microsoft.com/office/drawing/2014/main" id="{733FCCED-3D00-458A-8A31-4548A38D137F}"/>
+              </a:ext>
+            </a:extLst>
+          </p:cNvPr>
+          <p:cNvSpPr/>
+          <p:nvPr/>
+        </p:nvSpPr>
+        <p:spPr>
+          <a:xfrm>
+            <a:off x="5502527" y="2373195"/>
+            <a:ext cx="1014387" cy="50819"/>
+          </a:xfrm>
+          <a:prstGeom prst="rect">
+            <a:avLst/>
+          </a:prstGeom>
         </p:spPr>
         <p:style>
           <a:lnRef idx="2">
@@ -6355,61 +5943,26 @@
           </a:p>
         </p:txBody>
       </p:sp>
-      <p:sp>
-        <p:nvSpPr>
-          <p:cNvPr id="41" name="ZoneTexte 267">
-            <a:extLst>
-              <a:ext uri="{FF2B5EF4-FFF2-40B4-BE49-F238E27FC236}">
-                <a16:creationId xmlns:a16="http://schemas.microsoft.com/office/drawing/2014/main" id="{1E875F60-1446-4AC4-9DF9-BBEA23EF77A8}"/>
-              </a:ext>
-            </a:extLst>
-          </p:cNvPr>
-          <p:cNvSpPr txBox="1"/>
-          <p:nvPr/>
-        </p:nvSpPr>
-        <p:spPr>
-          <a:xfrm>
-            <a:off x="2217455" y="5307905"/>
-            <a:ext cx="1560542" cy="319209"/>
-          </a:xfrm>
-          <a:prstGeom prst="rect">
-            <a:avLst/>
-          </a:prstGeom>
-          <a:noFill/>
-        </p:spPr>
-        <p:txBody>
-          <a:bodyPr wrap="square" rtlCol="0">
-            <a:spAutoFit/>
-          </a:bodyPr>
-          <a:lstStyle/>
-          <a:p>
-            <a:r>
-              <a:rPr lang="en-US" sz="1400" dirty="0"/>
-              <a:t>[training]</a:t>
-            </a:r>
-          </a:p>
-        </p:txBody>
-      </p:sp>
       <p:cxnSp>
         <p:nvCxnSpPr>
-          <p:cNvPr id="42" name="Connecteur droit avec flèche 305">
-            <a:extLst>
-              <a:ext uri="{FF2B5EF4-FFF2-40B4-BE49-F238E27FC236}">
-                <a16:creationId xmlns:a16="http://schemas.microsoft.com/office/drawing/2014/main" id="{E1AE9429-AE0B-4AF5-AA5A-02184BF1FEB3}"/>
+          <p:cNvPr id="98" name="Connecteur droit avec flèche 115">
+            <a:extLst>
+              <a:ext uri="{FF2B5EF4-FFF2-40B4-BE49-F238E27FC236}">
+                <a16:creationId xmlns:a16="http://schemas.microsoft.com/office/drawing/2014/main" id="{F1240908-8B83-4EE7-A7A3-A653150EFB6E}"/>
               </a:ext>
             </a:extLst>
           </p:cNvPr>
           <p:cNvCxnSpPr>
             <a:cxnSpLocks/>
-            <a:stCxn id="44" idx="1"/>
-            <a:endCxn id="50" idx="0"/>
+            <a:stCxn id="94" idx="2"/>
+            <a:endCxn id="73" idx="0"/>
           </p:cNvCxnSpPr>
           <p:nvPr/>
         </p:nvCxnSpPr>
         <p:spPr>
           <a:xfrm flipH="1">
-            <a:off x="1115248" y="7337558"/>
-            <a:ext cx="575285" cy="143178"/>
+            <a:off x="4349429" y="2424014"/>
+            <a:ext cx="1660292" cy="1342393"/>
           </a:xfrm>
           <a:prstGeom prst="straightConnector1">
             <a:avLst/>
@@ -6438,172 +5991,96 @@
       </p:cxnSp>
       <p:sp>
         <p:nvSpPr>
-          <p:cNvPr id="43" name="Ovale 42">
-            <a:extLst>
-              <a:ext uri="{FF2B5EF4-FFF2-40B4-BE49-F238E27FC236}">
-                <a16:creationId xmlns:a16="http://schemas.microsoft.com/office/drawing/2014/main" id="{EFD5D589-BB58-4EF5-AC27-3D0FBF43FA84}"/>
-              </a:ext>
-            </a:extLst>
-          </p:cNvPr>
-          <p:cNvSpPr/>
-          <p:nvPr/>
-        </p:nvSpPr>
-        <p:spPr>
-          <a:xfrm>
-            <a:off x="3387562" y="1837295"/>
-            <a:ext cx="1222538" cy="698016"/>
-          </a:xfrm>
-          <a:prstGeom prst="ellipse">
+          <p:cNvPr id="112" name="ZoneTexte 267">
+            <a:extLst>
+              <a:ext uri="{FF2B5EF4-FFF2-40B4-BE49-F238E27FC236}">
+                <a16:creationId xmlns:a16="http://schemas.microsoft.com/office/drawing/2014/main" id="{1E65EB88-59F3-40E8-A654-DCBBCF75F741}"/>
+              </a:ext>
+            </a:extLst>
+          </p:cNvPr>
+          <p:cNvSpPr txBox="1"/>
+          <p:nvPr/>
+        </p:nvSpPr>
+        <p:spPr>
+          <a:xfrm>
+            <a:off x="4349429" y="4472913"/>
+            <a:ext cx="1560542" cy="319209"/>
+          </a:xfrm>
+          <a:prstGeom prst="rect">
             <a:avLst/>
           </a:prstGeom>
-          <a:ln>
-            <a:solidFill>
-              <a:schemeClr val="accent4">
-                <a:lumMod val="60000"/>
-                <a:lumOff val="40000"/>
-              </a:schemeClr>
-            </a:solidFill>
-          </a:ln>
-        </p:spPr>
-        <p:style>
-          <a:lnRef idx="2">
-            <a:schemeClr val="dk1"/>
-          </a:lnRef>
-          <a:fillRef idx="1">
-            <a:schemeClr val="lt1"/>
-          </a:fillRef>
-          <a:effectRef idx="0">
-            <a:schemeClr val="dk1"/>
-          </a:effectRef>
-          <a:fontRef idx="minor">
-            <a:schemeClr val="dk1"/>
-          </a:fontRef>
-        </p:style>
-        <p:txBody>
-          <a:bodyPr rtlCol="0" anchor="ctr"/>
+          <a:noFill/>
+        </p:spPr>
+        <p:txBody>
+          <a:bodyPr wrap="square" rtlCol="0">
+            <a:spAutoFit/>
+          </a:bodyPr>
           <a:lstStyle/>
           <a:p>
             <a:pPr algn="ctr"/>
             <a:r>
-              <a:rPr lang="it-IT" sz="1300" b="1" dirty="0" err="1"/>
-              <a:t>Want</a:t>
-            </a:r>
-            <a:r>
-              <a:rPr lang="it-IT" sz="1300" b="1" dirty="0"/>
-              <a:t> to </a:t>
-            </a:r>
-            <a:r>
-              <a:rPr lang="it-IT" sz="1300" b="1" dirty="0" err="1"/>
-              <a:t>train</a:t>
-            </a:r>
-            <a:r>
-              <a:rPr lang="it-IT" sz="1300" b="1" dirty="0"/>
-              <a:t>/ </a:t>
-            </a:r>
-            <a:r>
-              <a:rPr lang="it-IT" sz="1300" dirty="0">
-                <a:ln w="0"/>
-                <a:solidFill>
-                  <a:schemeClr val="accent1"/>
-                </a:solidFill>
-                <a:effectLst>
-                  <a:outerShdw blurRad="38100" dist="25400" dir="5400000" algn="ctr" rotWithShape="0">
-                    <a:srgbClr val="6E747A">
-                      <a:alpha val="43000"/>
-                    </a:srgbClr>
-                  </a:outerShdw>
-                </a:effectLst>
-              </a:rPr>
-              <a:t>do </a:t>
-            </a:r>
-            <a:r>
-              <a:rPr lang="it-IT" sz="1300" dirty="0" err="1">
-                <a:ln w="0"/>
-                <a:solidFill>
-                  <a:schemeClr val="accent1"/>
-                </a:solidFill>
-                <a:effectLst>
-                  <a:outerShdw blurRad="38100" dist="25400" dir="5400000" algn="ctr" rotWithShape="0">
-                    <a:srgbClr val="6E747A">
-                      <a:alpha val="43000"/>
-                    </a:srgbClr>
-                  </a:outerShdw>
-                </a:effectLst>
-              </a:rPr>
-              <a:t>exam</a:t>
-            </a:r>
-            <a:endParaRPr lang="it-IT" sz="1300" b="1" dirty="0"/>
-          </a:p>
-        </p:txBody>
-      </p:sp>
-      <p:sp>
-        <p:nvSpPr>
-          <p:cNvPr id="44" name="Organigramme : Décision 265">
-            <a:extLst>
-              <a:ext uri="{FF2B5EF4-FFF2-40B4-BE49-F238E27FC236}">
-                <a16:creationId xmlns:a16="http://schemas.microsoft.com/office/drawing/2014/main" id="{8F6CE7FD-C33F-449E-A079-FD1F22A151A8}"/>
-              </a:ext>
-            </a:extLst>
-          </p:cNvPr>
-          <p:cNvSpPr/>
-          <p:nvPr/>
-        </p:nvSpPr>
-        <p:spPr>
-          <a:xfrm>
-            <a:off x="1690533" y="7218216"/>
-            <a:ext cx="356994" cy="238684"/>
-          </a:xfrm>
-          <a:prstGeom prst="flowChartDecision">
+              <a:rPr lang="en-US" sz="1400" dirty="0"/>
+              <a:t>[exam]</a:t>
+            </a:r>
+          </a:p>
+        </p:txBody>
+      </p:sp>
+      <p:sp>
+        <p:nvSpPr>
+          <p:cNvPr id="113" name="ZoneTexte 267">
+            <a:extLst>
+              <a:ext uri="{FF2B5EF4-FFF2-40B4-BE49-F238E27FC236}">
+                <a16:creationId xmlns:a16="http://schemas.microsoft.com/office/drawing/2014/main" id="{DDD44D23-72E4-4282-813E-579E8AAE5037}"/>
+              </a:ext>
+            </a:extLst>
+          </p:cNvPr>
+          <p:cNvSpPr txBox="1"/>
+          <p:nvPr/>
+        </p:nvSpPr>
+        <p:spPr>
+          <a:xfrm>
+            <a:off x="2610390" y="4528894"/>
+            <a:ext cx="1560542" cy="319209"/>
+          </a:xfrm>
+          <a:prstGeom prst="rect">
             <a:avLst/>
           </a:prstGeom>
-          <a:solidFill>
-            <a:schemeClr val="bg1"/>
-          </a:solidFill>
-        </p:spPr>
-        <p:style>
-          <a:lnRef idx="2">
-            <a:schemeClr val="dk1">
-              <a:shade val="50000"/>
-            </a:schemeClr>
-          </a:lnRef>
-          <a:fillRef idx="1">
-            <a:schemeClr val="dk1"/>
-          </a:fillRef>
-          <a:effectRef idx="0">
-            <a:schemeClr val="dk1"/>
-          </a:effectRef>
-          <a:fontRef idx="minor">
-            <a:schemeClr val="lt1"/>
-          </a:fontRef>
-        </p:style>
-        <p:txBody>
-          <a:bodyPr rtlCol="0" anchor="ctr"/>
+          <a:noFill/>
+        </p:spPr>
+        <p:txBody>
+          <a:bodyPr wrap="square" rtlCol="0">
+            <a:spAutoFit/>
+          </a:bodyPr>
           <a:lstStyle/>
           <a:p>
             <a:pPr algn="ctr"/>
-            <a:endParaRPr lang="en-US"/>
+            <a:r>
+              <a:rPr lang="en-US" sz="1400" dirty="0"/>
+              <a:t>[training]</a:t>
+            </a:r>
           </a:p>
         </p:txBody>
       </p:sp>
       <p:cxnSp>
         <p:nvCxnSpPr>
-          <p:cNvPr id="45" name="Connecteur droit avec flèche 118">
-            <a:extLst>
-              <a:ext uri="{FF2B5EF4-FFF2-40B4-BE49-F238E27FC236}">
-                <a16:creationId xmlns:a16="http://schemas.microsoft.com/office/drawing/2014/main" id="{F4EE4744-802F-4D95-A002-D29C21B543A6}"/>
+          <p:cNvPr id="122" name="Connecteur droit avec flèche 169">
+            <a:extLst>
+              <a:ext uri="{FF2B5EF4-FFF2-40B4-BE49-F238E27FC236}">
+                <a16:creationId xmlns:a16="http://schemas.microsoft.com/office/drawing/2014/main" id="{6CAAEF6D-6711-4C84-9CE7-3CCF58820D50}"/>
               </a:ext>
             </a:extLst>
           </p:cNvPr>
           <p:cNvCxnSpPr>
             <a:cxnSpLocks/>
-            <a:endCxn id="44" idx="0"/>
+            <a:stCxn id="19" idx="2"/>
+            <a:endCxn id="23" idx="0"/>
           </p:cNvCxnSpPr>
           <p:nvPr/>
         </p:nvCxnSpPr>
         <p:spPr>
           <a:xfrm>
-            <a:off x="1869030" y="7024091"/>
-            <a:ext cx="0" cy="194125"/>
+            <a:off x="1940321" y="5544415"/>
+            <a:ext cx="1055289" cy="342335"/>
           </a:xfrm>
           <a:prstGeom prst="straightConnector1">
             <a:avLst/>
@@ -6612,639 +6089,6 @@
             <a:solidFill>
               <a:schemeClr val="tx1"/>
             </a:solidFill>
-            <a:tailEnd type="triangle"/>
-          </a:ln>
-        </p:spPr>
-        <p:style>
-          <a:lnRef idx="1">
-            <a:schemeClr val="accent1"/>
-          </a:lnRef>
-          <a:fillRef idx="0">
-            <a:schemeClr val="accent1"/>
-          </a:fillRef>
-          <a:effectRef idx="0">
-            <a:schemeClr val="accent1"/>
-          </a:effectRef>
-          <a:fontRef idx="minor">
-            <a:schemeClr val="tx1"/>
-          </a:fontRef>
-        </p:style>
-      </p:cxnSp>
-      <p:sp>
-        <p:nvSpPr>
-          <p:cNvPr id="46" name="ZoneTexte 268">
-            <a:extLst>
-              <a:ext uri="{FF2B5EF4-FFF2-40B4-BE49-F238E27FC236}">
-                <a16:creationId xmlns:a16="http://schemas.microsoft.com/office/drawing/2014/main" id="{50EE3A38-CC6B-41C9-890D-6C0B24ACF1AF}"/>
-              </a:ext>
-            </a:extLst>
-          </p:cNvPr>
-          <p:cNvSpPr txBox="1"/>
-          <p:nvPr/>
-        </p:nvSpPr>
-        <p:spPr>
-          <a:xfrm rot="10800000" flipH="1" flipV="1">
-            <a:off x="778856" y="7151249"/>
-            <a:ext cx="741662" cy="307777"/>
-          </a:xfrm>
-          <a:prstGeom prst="rect">
-            <a:avLst/>
-          </a:prstGeom>
-          <a:noFill/>
-        </p:spPr>
-        <p:txBody>
-          <a:bodyPr wrap="square" rtlCol="0">
-            <a:spAutoFit/>
-          </a:bodyPr>
-          <a:lstStyle/>
-          <a:p>
-            <a:r>
-              <a:rPr lang="en-US" sz="1400" dirty="0"/>
-              <a:t>[exam]</a:t>
-            </a:r>
-          </a:p>
-        </p:txBody>
-      </p:sp>
-      <p:sp>
-        <p:nvSpPr>
-          <p:cNvPr id="47" name="ZoneTexte 267">
-            <a:extLst>
-              <a:ext uri="{FF2B5EF4-FFF2-40B4-BE49-F238E27FC236}">
-                <a16:creationId xmlns:a16="http://schemas.microsoft.com/office/drawing/2014/main" id="{F21685F2-726D-469C-B5EF-B8F2979FBC68}"/>
-              </a:ext>
-            </a:extLst>
-          </p:cNvPr>
-          <p:cNvSpPr txBox="1"/>
-          <p:nvPr/>
-        </p:nvSpPr>
-        <p:spPr>
-          <a:xfrm>
-            <a:off x="2205390" y="7186598"/>
-            <a:ext cx="1560542" cy="319209"/>
-          </a:xfrm>
-          <a:prstGeom prst="rect">
-            <a:avLst/>
-          </a:prstGeom>
-          <a:noFill/>
-        </p:spPr>
-        <p:txBody>
-          <a:bodyPr wrap="square" rtlCol="0">
-            <a:spAutoFit/>
-          </a:bodyPr>
-          <a:lstStyle/>
-          <a:p>
-            <a:r>
-              <a:rPr lang="en-US" sz="1400" dirty="0"/>
-              <a:t>[training]</a:t>
-            </a:r>
-          </a:p>
-        </p:txBody>
-      </p:sp>
-      <p:cxnSp>
-        <p:nvCxnSpPr>
-          <p:cNvPr id="48" name="Connecteur droit avec flèche 115">
-            <a:extLst>
-              <a:ext uri="{FF2B5EF4-FFF2-40B4-BE49-F238E27FC236}">
-                <a16:creationId xmlns:a16="http://schemas.microsoft.com/office/drawing/2014/main" id="{BA8E9EFE-8B31-4CB0-8400-3A2F281367E8}"/>
-              </a:ext>
-            </a:extLst>
-          </p:cNvPr>
-          <p:cNvCxnSpPr>
-            <a:cxnSpLocks/>
-            <a:endCxn id="19" idx="0"/>
-          </p:cNvCxnSpPr>
-          <p:nvPr/>
-        </p:nvCxnSpPr>
-        <p:spPr>
-          <a:xfrm flipH="1">
-            <a:off x="1788501" y="6509299"/>
-            <a:ext cx="1416254" cy="210606"/>
-          </a:xfrm>
-          <a:prstGeom prst="straightConnector1">
-            <a:avLst/>
-          </a:prstGeom>
-          <a:ln w="19050">
-            <a:solidFill>
-              <a:schemeClr val="tx1"/>
-            </a:solidFill>
-            <a:tailEnd type="triangle"/>
-          </a:ln>
-        </p:spPr>
-        <p:style>
-          <a:lnRef idx="1">
-            <a:schemeClr val="accent1"/>
-          </a:lnRef>
-          <a:fillRef idx="0">
-            <a:schemeClr val="accent1"/>
-          </a:fillRef>
-          <a:effectRef idx="0">
-            <a:schemeClr val="accent1"/>
-          </a:effectRef>
-          <a:fontRef idx="minor">
-            <a:schemeClr val="tx1"/>
-          </a:fontRef>
-        </p:style>
-      </p:cxnSp>
-      <p:cxnSp>
-        <p:nvCxnSpPr>
-          <p:cNvPr id="49" name="Connecteur droit avec flèche 98">
-            <a:extLst>
-              <a:ext uri="{FF2B5EF4-FFF2-40B4-BE49-F238E27FC236}">
-                <a16:creationId xmlns:a16="http://schemas.microsoft.com/office/drawing/2014/main" id="{90E8EFE1-F7CA-4A9A-AF2B-BDB67ECCEF82}"/>
-              </a:ext>
-            </a:extLst>
-          </p:cNvPr>
-          <p:cNvCxnSpPr>
-            <a:cxnSpLocks/>
-            <a:stCxn id="40" idx="3"/>
-          </p:cNvCxnSpPr>
-          <p:nvPr/>
-        </p:nvCxnSpPr>
-        <p:spPr>
-          <a:xfrm>
-            <a:off x="2073232" y="5588855"/>
-            <a:ext cx="2320673" cy="0"/>
-          </a:xfrm>
-          <a:prstGeom prst="straightConnector1">
-            <a:avLst/>
-          </a:prstGeom>
-          <a:ln w="19050">
-            <a:solidFill>
-              <a:schemeClr val="tx1"/>
-            </a:solidFill>
-            <a:tailEnd type="triangle"/>
-          </a:ln>
-        </p:spPr>
-        <p:style>
-          <a:lnRef idx="1">
-            <a:schemeClr val="accent1"/>
-          </a:lnRef>
-          <a:fillRef idx="0">
-            <a:schemeClr val="accent1"/>
-          </a:fillRef>
-          <a:effectRef idx="0">
-            <a:schemeClr val="accent1"/>
-          </a:effectRef>
-          <a:fontRef idx="minor">
-            <a:schemeClr val="tx1"/>
-          </a:fontRef>
-        </p:style>
-      </p:cxnSp>
-      <p:sp>
-        <p:nvSpPr>
-          <p:cNvPr id="50" name="Rectangle : coins arrondis 87">
-            <a:extLst>
-              <a:ext uri="{FF2B5EF4-FFF2-40B4-BE49-F238E27FC236}">
-                <a16:creationId xmlns:a16="http://schemas.microsoft.com/office/drawing/2014/main" id="{23A035EB-7566-4DDA-9165-97698629C390}"/>
-              </a:ext>
-            </a:extLst>
-          </p:cNvPr>
-          <p:cNvSpPr/>
-          <p:nvPr/>
-        </p:nvSpPr>
-        <p:spPr>
-          <a:xfrm>
-            <a:off x="786523" y="7480736"/>
-            <a:ext cx="657449" cy="106184"/>
-          </a:xfrm>
-          <a:prstGeom prst="roundRect">
-            <a:avLst/>
-          </a:prstGeom>
-          <a:solidFill>
-            <a:schemeClr val="tx1">
-              <a:lumMod val="95000"/>
-              <a:lumOff val="5000"/>
-            </a:schemeClr>
-          </a:solidFill>
-        </p:spPr>
-        <p:style>
-          <a:lnRef idx="2">
-            <a:schemeClr val="dk1"/>
-          </a:lnRef>
-          <a:fillRef idx="1">
-            <a:schemeClr val="lt1"/>
-          </a:fillRef>
-          <a:effectRef idx="0">
-            <a:schemeClr val="dk1"/>
-          </a:effectRef>
-          <a:fontRef idx="minor">
-            <a:schemeClr val="dk1"/>
-          </a:fontRef>
-        </p:style>
-        <p:txBody>
-          <a:bodyPr rtlCol="0" anchor="ctr"/>
-          <a:lstStyle/>
-          <a:p>
-            <a:pPr algn="ctr"/>
-            <a:endParaRPr lang="en-US" sz="1100" dirty="0"/>
-          </a:p>
-        </p:txBody>
-      </p:sp>
-      <p:cxnSp>
-        <p:nvCxnSpPr>
-          <p:cNvPr id="51" name="Connecteur droit avec flèche 92">
-            <a:extLst>
-              <a:ext uri="{FF2B5EF4-FFF2-40B4-BE49-F238E27FC236}">
-                <a16:creationId xmlns:a16="http://schemas.microsoft.com/office/drawing/2014/main" id="{85A0B8ED-78DD-4599-BC1B-167952F6D6B2}"/>
-              </a:ext>
-            </a:extLst>
-          </p:cNvPr>
-          <p:cNvCxnSpPr>
-            <a:cxnSpLocks/>
-            <a:stCxn id="50" idx="2"/>
-            <a:endCxn id="23" idx="1"/>
-          </p:cNvCxnSpPr>
-          <p:nvPr/>
-        </p:nvCxnSpPr>
-        <p:spPr>
-          <a:xfrm>
-            <a:off x="1115248" y="7586920"/>
-            <a:ext cx="1243716" cy="364824"/>
-          </a:xfrm>
-          <a:prstGeom prst="straightConnector1">
-            <a:avLst/>
-          </a:prstGeom>
-          <a:ln w="19050">
-            <a:solidFill>
-              <a:schemeClr val="tx1"/>
-            </a:solidFill>
-            <a:tailEnd type="triangle"/>
-          </a:ln>
-        </p:spPr>
-        <p:style>
-          <a:lnRef idx="1">
-            <a:schemeClr val="accent1"/>
-          </a:lnRef>
-          <a:fillRef idx="0">
-            <a:schemeClr val="accent1"/>
-          </a:fillRef>
-          <a:effectRef idx="0">
-            <a:schemeClr val="accent1"/>
-          </a:effectRef>
-          <a:fontRef idx="minor">
-            <a:schemeClr val="tx1"/>
-          </a:fontRef>
-        </p:style>
-      </p:cxnSp>
-      <p:sp>
-        <p:nvSpPr>
-          <p:cNvPr id="52" name="Rectangle : coins arrondis 43">
-            <a:extLst>
-              <a:ext uri="{FF2B5EF4-FFF2-40B4-BE49-F238E27FC236}">
-                <a16:creationId xmlns:a16="http://schemas.microsoft.com/office/drawing/2014/main" id="{34B184FC-EE3B-46F6-A3FC-2110A3F1B161}"/>
-              </a:ext>
-            </a:extLst>
-          </p:cNvPr>
-          <p:cNvSpPr/>
-          <p:nvPr/>
-        </p:nvSpPr>
-        <p:spPr>
-          <a:xfrm>
-            <a:off x="4383750" y="5530432"/>
-            <a:ext cx="657449" cy="106184"/>
-          </a:xfrm>
-          <a:prstGeom prst="roundRect">
-            <a:avLst/>
-          </a:prstGeom>
-          <a:solidFill>
-            <a:schemeClr val="tx1">
-              <a:lumMod val="95000"/>
-              <a:lumOff val="5000"/>
-            </a:schemeClr>
-          </a:solidFill>
-        </p:spPr>
-        <p:style>
-          <a:lnRef idx="2">
-            <a:schemeClr val="dk1"/>
-          </a:lnRef>
-          <a:fillRef idx="1">
-            <a:schemeClr val="lt1"/>
-          </a:fillRef>
-          <a:effectRef idx="0">
-            <a:schemeClr val="dk1"/>
-          </a:effectRef>
-          <a:fontRef idx="minor">
-            <a:schemeClr val="dk1"/>
-          </a:fontRef>
-        </p:style>
-        <p:txBody>
-          <a:bodyPr rtlCol="0" anchor="ctr"/>
-          <a:lstStyle/>
-          <a:p>
-            <a:pPr algn="ctr"/>
-            <a:endParaRPr lang="en-US" sz="1100" dirty="0"/>
-          </a:p>
-        </p:txBody>
-      </p:sp>
-      <p:sp>
-        <p:nvSpPr>
-          <p:cNvPr id="55" name="Rectangle : coins arrondis 17">
-            <a:extLst>
-              <a:ext uri="{FF2B5EF4-FFF2-40B4-BE49-F238E27FC236}">
-                <a16:creationId xmlns:a16="http://schemas.microsoft.com/office/drawing/2014/main" id="{4FDD090C-F691-4CBC-92C0-C4F41DF6668F}"/>
-              </a:ext>
-            </a:extLst>
-          </p:cNvPr>
-          <p:cNvSpPr/>
-          <p:nvPr/>
-        </p:nvSpPr>
-        <p:spPr>
-          <a:xfrm>
-            <a:off x="3151070" y="1360290"/>
-            <a:ext cx="2020230" cy="334445"/>
-          </a:xfrm>
-          <a:prstGeom prst="roundRect">
-            <a:avLst>
-              <a:gd name="adj" fmla="val 50000"/>
-            </a:avLst>
-          </a:prstGeom>
-          <a:ln>
-            <a:solidFill>
-              <a:schemeClr val="tx1">
-                <a:lumMod val="95000"/>
-                <a:lumOff val="5000"/>
-              </a:schemeClr>
-            </a:solidFill>
-          </a:ln>
-        </p:spPr>
-        <p:style>
-          <a:lnRef idx="2">
-            <a:schemeClr val="accent3"/>
-          </a:lnRef>
-          <a:fillRef idx="1">
-            <a:schemeClr val="lt1"/>
-          </a:fillRef>
-          <a:effectRef idx="0">
-            <a:schemeClr val="accent3"/>
-          </a:effectRef>
-          <a:fontRef idx="minor">
-            <a:schemeClr val="dk1"/>
-          </a:fontRef>
-        </p:style>
-        <p:txBody>
-          <a:bodyPr rtlCol="0" anchor="ctr"/>
-          <a:lstStyle/>
-          <a:p>
-            <a:pPr algn="ctr"/>
-            <a:r>
-              <a:rPr lang="en-US" sz="1200" b="1" dirty="0"/>
-              <a:t>Connect as student</a:t>
-            </a:r>
-          </a:p>
-        </p:txBody>
-      </p:sp>
-      <p:sp>
-        <p:nvSpPr>
-          <p:cNvPr id="56" name="Rectangle 13">
-            <a:extLst>
-              <a:ext uri="{FF2B5EF4-FFF2-40B4-BE49-F238E27FC236}">
-                <a16:creationId xmlns:a16="http://schemas.microsoft.com/office/drawing/2014/main" id="{38E3BB25-3D86-496C-AE8E-3FC352C765A5}"/>
-              </a:ext>
-            </a:extLst>
-          </p:cNvPr>
-          <p:cNvSpPr/>
-          <p:nvPr/>
-        </p:nvSpPr>
-        <p:spPr>
-          <a:xfrm>
-            <a:off x="3445138" y="302654"/>
-            <a:ext cx="1935480" cy="396240"/>
-          </a:xfrm>
-          <a:prstGeom prst="rect">
-            <a:avLst/>
-          </a:prstGeom>
-        </p:spPr>
-        <p:style>
-          <a:lnRef idx="2">
-            <a:schemeClr val="accent6"/>
-          </a:lnRef>
-          <a:fillRef idx="1">
-            <a:schemeClr val="lt1"/>
-          </a:fillRef>
-          <a:effectRef idx="0">
-            <a:schemeClr val="accent6"/>
-          </a:effectRef>
-          <a:fontRef idx="minor">
-            <a:schemeClr val="dk1"/>
-          </a:fontRef>
-        </p:style>
-        <p:txBody>
-          <a:bodyPr rtlCol="0" anchor="ctr"/>
-          <a:lstStyle/>
-          <a:p>
-            <a:pPr algn="ctr"/>
-            <a:r>
-              <a:rPr lang="en-US" b="1" dirty="0"/>
-              <a:t>Student</a:t>
-            </a:r>
-          </a:p>
-        </p:txBody>
-      </p:sp>
-      <p:sp>
-        <p:nvSpPr>
-          <p:cNvPr id="57" name="Rectangle : coins arrondis 22">
-            <a:extLst>
-              <a:ext uri="{FF2B5EF4-FFF2-40B4-BE49-F238E27FC236}">
-                <a16:creationId xmlns:a16="http://schemas.microsoft.com/office/drawing/2014/main" id="{E4062008-72BB-415F-A066-7571FF3443AD}"/>
-              </a:ext>
-            </a:extLst>
-          </p:cNvPr>
-          <p:cNvSpPr/>
-          <p:nvPr/>
-        </p:nvSpPr>
-        <p:spPr>
-          <a:xfrm>
-            <a:off x="3223595" y="6364527"/>
-            <a:ext cx="1790700" cy="304800"/>
-          </a:xfrm>
-          <a:prstGeom prst="roundRect">
-            <a:avLst>
-              <a:gd name="adj" fmla="val 50000"/>
-            </a:avLst>
-          </a:prstGeom>
-        </p:spPr>
-        <p:style>
-          <a:lnRef idx="2">
-            <a:schemeClr val="accent3"/>
-          </a:lnRef>
-          <a:fillRef idx="1">
-            <a:schemeClr val="lt1"/>
-          </a:fillRef>
-          <a:effectRef idx="0">
-            <a:schemeClr val="accent3"/>
-          </a:effectRef>
-          <a:fontRef idx="minor">
-            <a:schemeClr val="dk1"/>
-          </a:fontRef>
-        </p:style>
-        <p:txBody>
-          <a:bodyPr rtlCol="0" anchor="ctr"/>
-          <a:lstStyle/>
-          <a:p>
-            <a:pPr algn="ctr"/>
-            <a:r>
-              <a:rPr lang="en-US" sz="1200" b="1" dirty="0"/>
-              <a:t>Fill answers</a:t>
-            </a:r>
-          </a:p>
-        </p:txBody>
-      </p:sp>
-      <p:sp>
-        <p:nvSpPr>
-          <p:cNvPr id="54" name="ZoneTexte 243">
-            <a:extLst>
-              <a:ext uri="{FF2B5EF4-FFF2-40B4-BE49-F238E27FC236}">
-                <a16:creationId xmlns:a16="http://schemas.microsoft.com/office/drawing/2014/main" id="{399A21E4-AE2D-4D29-92A5-ED1E42AA985A}"/>
-              </a:ext>
-            </a:extLst>
-          </p:cNvPr>
-          <p:cNvSpPr txBox="1"/>
-          <p:nvPr/>
-        </p:nvSpPr>
-        <p:spPr>
-          <a:xfrm>
-            <a:off x="422098" y="5307414"/>
-            <a:ext cx="910335" cy="307777"/>
-          </a:xfrm>
-          <a:prstGeom prst="rect">
-            <a:avLst/>
-          </a:prstGeom>
-          <a:noFill/>
-        </p:spPr>
-        <p:txBody>
-          <a:bodyPr wrap="square" rtlCol="0">
-            <a:spAutoFit/>
-          </a:bodyPr>
-          <a:lstStyle/>
-          <a:p>
-            <a:r>
-              <a:rPr lang="en-US" sz="1400" dirty="0">
-                <a:solidFill>
-                  <a:schemeClr val="accent1"/>
-                </a:solidFill>
-              </a:rPr>
-              <a:t>[exam]</a:t>
-            </a:r>
-          </a:p>
-        </p:txBody>
-      </p:sp>
-      <p:cxnSp>
-        <p:nvCxnSpPr>
-          <p:cNvPr id="58" name="Connecteur droit avec flèche 257">
-            <a:extLst>
-              <a:ext uri="{FF2B5EF4-FFF2-40B4-BE49-F238E27FC236}">
-                <a16:creationId xmlns:a16="http://schemas.microsoft.com/office/drawing/2014/main" id="{A077E145-5E46-4CCF-BD46-BC9D7993EC0C}"/>
-              </a:ext>
-            </a:extLst>
-          </p:cNvPr>
-          <p:cNvCxnSpPr>
-            <a:cxnSpLocks/>
-            <a:stCxn id="40" idx="1"/>
-          </p:cNvCxnSpPr>
-          <p:nvPr/>
-        </p:nvCxnSpPr>
-        <p:spPr>
-          <a:xfrm flipH="1">
-            <a:off x="1023435" y="5588855"/>
-            <a:ext cx="692803" cy="27353"/>
-          </a:xfrm>
-          <a:prstGeom prst="straightConnector1">
-            <a:avLst/>
-          </a:prstGeom>
-          <a:ln>
-            <a:tailEnd type="triangle"/>
-          </a:ln>
-        </p:spPr>
-        <p:style>
-          <a:lnRef idx="1">
-            <a:schemeClr val="accent1"/>
-          </a:lnRef>
-          <a:fillRef idx="0">
-            <a:schemeClr val="accent1"/>
-          </a:fillRef>
-          <a:effectRef idx="0">
-            <a:schemeClr val="accent1"/>
-          </a:effectRef>
-          <a:fontRef idx="minor">
-            <a:schemeClr val="tx1"/>
-          </a:fontRef>
-        </p:style>
-      </p:cxnSp>
-      <p:sp>
-        <p:nvSpPr>
-          <p:cNvPr id="59" name="Rectangle : coins arrondis 43">
-            <a:extLst>
-              <a:ext uri="{FF2B5EF4-FFF2-40B4-BE49-F238E27FC236}">
-                <a16:creationId xmlns:a16="http://schemas.microsoft.com/office/drawing/2014/main" id="{C8B48E74-37CE-4D31-A63C-925684F7AC17}"/>
-              </a:ext>
-            </a:extLst>
-          </p:cNvPr>
-          <p:cNvSpPr/>
-          <p:nvPr/>
-        </p:nvSpPr>
-        <p:spPr>
-          <a:xfrm>
-            <a:off x="376141" y="5580430"/>
-            <a:ext cx="657449" cy="106184"/>
-          </a:xfrm>
-          <a:prstGeom prst="roundRect">
-            <a:avLst/>
-          </a:prstGeom>
-          <a:solidFill>
-            <a:schemeClr val="tx1">
-              <a:lumMod val="95000"/>
-              <a:lumOff val="5000"/>
-            </a:schemeClr>
-          </a:solidFill>
-        </p:spPr>
-        <p:style>
-          <a:lnRef idx="2">
-            <a:schemeClr val="dk1"/>
-          </a:lnRef>
-          <a:fillRef idx="1">
-            <a:schemeClr val="lt1"/>
-          </a:fillRef>
-          <a:effectRef idx="0">
-            <a:schemeClr val="dk1"/>
-          </a:effectRef>
-          <a:fontRef idx="minor">
-            <a:schemeClr val="dk1"/>
-          </a:fontRef>
-        </p:style>
-        <p:txBody>
-          <a:bodyPr rtlCol="0" anchor="ctr"/>
-          <a:lstStyle/>
-          <a:p>
-            <a:pPr algn="ctr"/>
-            <a:endParaRPr lang="en-US" sz="1100" dirty="0"/>
-          </a:p>
-        </p:txBody>
-      </p:sp>
-      <p:cxnSp>
-        <p:nvCxnSpPr>
-          <p:cNvPr id="60" name="Connecteur droit avec flèche 257">
-            <a:extLst>
-              <a:ext uri="{FF2B5EF4-FFF2-40B4-BE49-F238E27FC236}">
-                <a16:creationId xmlns:a16="http://schemas.microsoft.com/office/drawing/2014/main" id="{8B9369CF-A35A-4B8C-B777-E8BA0EDEC236}"/>
-              </a:ext>
-            </a:extLst>
-          </p:cNvPr>
-          <p:cNvCxnSpPr>
-            <a:cxnSpLocks/>
-            <a:stCxn id="59" idx="3"/>
-            <a:endCxn id="22" idx="0"/>
-          </p:cNvCxnSpPr>
-          <p:nvPr/>
-        </p:nvCxnSpPr>
-        <p:spPr>
-          <a:xfrm>
-            <a:off x="1033590" y="5633522"/>
-            <a:ext cx="861145" cy="373545"/>
-          </a:xfrm>
-          <a:prstGeom prst="straightConnector1">
-            <a:avLst/>
-          </a:prstGeom>
-          <a:ln>
             <a:tailEnd type="triangle"/>
           </a:ln>
         </p:spPr>

--- a/RequirementRepport/ActivityDiagram_Ver1.2.pptx
+++ b/RequirementRepport/ActivityDiagram_Ver1.2.pptx
@@ -2990,7 +2990,7 @@
         </p:nvSpPr>
         <p:spPr>
           <a:xfrm>
-            <a:off x="1097629" y="855980"/>
+            <a:off x="1097629" y="722630"/>
             <a:ext cx="114300" cy="121920"/>
           </a:xfrm>
           <a:prstGeom prst="ellipse">
@@ -3175,7 +3175,7 @@
         </p:nvSpPr>
         <p:spPr>
           <a:xfrm>
-            <a:off x="263218" y="1285240"/>
+            <a:off x="263218" y="1151890"/>
             <a:ext cx="1790700" cy="304800"/>
           </a:xfrm>
           <a:prstGeom prst="roundRect">
@@ -3232,7 +3232,7 @@
         </p:nvSpPr>
         <p:spPr>
           <a:xfrm>
-            <a:off x="259429" y="1793966"/>
+            <a:off x="259429" y="1660616"/>
             <a:ext cx="1790700" cy="304800"/>
           </a:xfrm>
           <a:prstGeom prst="roundRect">
@@ -3281,7 +3281,7 @@
         </p:nvSpPr>
         <p:spPr>
           <a:xfrm>
-            <a:off x="259429" y="2297613"/>
+            <a:off x="259429" y="2164263"/>
             <a:ext cx="1790700" cy="447040"/>
           </a:xfrm>
           <a:prstGeom prst="roundRect">
@@ -3330,7 +3330,7 @@
         </p:nvSpPr>
         <p:spPr>
           <a:xfrm>
-            <a:off x="2493611" y="2444239"/>
+            <a:off x="2493611" y="2310889"/>
             <a:ext cx="2077042" cy="591820"/>
           </a:xfrm>
           <a:prstGeom prst="roundRect">
@@ -3384,7 +3384,7 @@
         </p:nvSpPr>
         <p:spPr>
           <a:xfrm>
-            <a:off x="2594845" y="7733008"/>
+            <a:off x="2582279" y="7494186"/>
             <a:ext cx="1790700" cy="304800"/>
           </a:xfrm>
           <a:prstGeom prst="roundRect">
@@ -3438,7 +3438,7 @@
         </p:nvSpPr>
         <p:spPr>
           <a:xfrm>
-            <a:off x="342052" y="3215306"/>
+            <a:off x="342052" y="3081956"/>
             <a:ext cx="1655299" cy="490947"/>
           </a:xfrm>
           <a:prstGeom prst="roundRect">
@@ -3487,7 +3487,7 @@
         </p:nvSpPr>
         <p:spPr>
           <a:xfrm>
-            <a:off x="2508671" y="3951842"/>
+            <a:off x="2508671" y="3818492"/>
             <a:ext cx="1963049" cy="413228"/>
           </a:xfrm>
           <a:prstGeom prst="roundRect">
@@ -3541,7 +3541,7 @@
         </p:nvSpPr>
         <p:spPr>
           <a:xfrm>
-            <a:off x="222715" y="4292349"/>
+            <a:off x="222715" y="4158999"/>
             <a:ext cx="1847481" cy="402556"/>
           </a:xfrm>
           <a:prstGeom prst="roundRect">
@@ -3590,7 +3590,7 @@
         </p:nvSpPr>
         <p:spPr>
           <a:xfrm>
-            <a:off x="2415585" y="6005586"/>
+            <a:off x="2415585" y="5872236"/>
             <a:ext cx="2034221" cy="402556"/>
           </a:xfrm>
           <a:prstGeom prst="roundRect">
@@ -3639,7 +3639,7 @@
         </p:nvSpPr>
         <p:spPr>
           <a:xfrm>
-            <a:off x="91238" y="8021723"/>
+            <a:off x="147762" y="8355460"/>
             <a:ext cx="1566418" cy="736898"/>
           </a:xfrm>
           <a:prstGeom prst="roundRect">
@@ -3691,7 +3691,7 @@
         </p:nvCxnSpPr>
         <p:spPr>
           <a:xfrm>
-            <a:off x="1154779" y="977900"/>
+            <a:off x="1154779" y="844550"/>
             <a:ext cx="3789" cy="307340"/>
           </a:xfrm>
           <a:prstGeom prst="straightConnector1">
@@ -3737,7 +3737,7 @@
         </p:nvCxnSpPr>
         <p:spPr>
           <a:xfrm flipH="1">
-            <a:off x="1154779" y="1590040"/>
+            <a:off x="1154779" y="1456690"/>
             <a:ext cx="3789" cy="203926"/>
           </a:xfrm>
           <a:prstGeom prst="straightConnector1">
@@ -3783,7 +3783,7 @@
         </p:nvCxnSpPr>
         <p:spPr>
           <a:xfrm>
-            <a:off x="1154779" y="2098766"/>
+            <a:off x="1154779" y="1965416"/>
             <a:ext cx="0" cy="198847"/>
           </a:xfrm>
           <a:prstGeom prst="straightConnector1">
@@ -3829,7 +3829,7 @@
         </p:nvCxnSpPr>
         <p:spPr>
           <a:xfrm>
-            <a:off x="1146456" y="4694905"/>
+            <a:off x="1146456" y="4561555"/>
             <a:ext cx="0" cy="422267"/>
           </a:xfrm>
           <a:prstGeom prst="straightConnector1">
@@ -3875,7 +3875,7 @@
         </p:nvCxnSpPr>
         <p:spPr>
           <a:xfrm>
-            <a:off x="1169702" y="3706253"/>
+            <a:off x="1169702" y="3572903"/>
             <a:ext cx="1338969" cy="452203"/>
           </a:xfrm>
           <a:prstGeom prst="straightConnector1">
@@ -3921,7 +3921,7 @@
         </p:nvCxnSpPr>
         <p:spPr>
           <a:xfrm>
-            <a:off x="2050129" y="2521133"/>
+            <a:off x="2050129" y="2387783"/>
             <a:ext cx="443482" cy="219016"/>
           </a:xfrm>
           <a:prstGeom prst="straightConnector1">
@@ -3963,7 +3963,7 @@
         </p:nvSpPr>
         <p:spPr>
           <a:xfrm>
-            <a:off x="817297" y="8898480"/>
+            <a:off x="874447" y="9339386"/>
             <a:ext cx="114300" cy="121920"/>
           </a:xfrm>
           <a:prstGeom prst="ellipse">
@@ -4013,8 +4013,8 @@
         </p:nvCxnSpPr>
         <p:spPr>
           <a:xfrm>
-            <a:off x="874447" y="8758621"/>
-            <a:ext cx="0" cy="139859"/>
+            <a:off x="930971" y="9092358"/>
+            <a:ext cx="626" cy="247028"/>
           </a:xfrm>
           <a:prstGeom prst="straightConnector1">
             <a:avLst/>
@@ -4059,7 +4059,7 @@
         </p:nvCxnSpPr>
         <p:spPr>
           <a:xfrm flipH="1">
-            <a:off x="1169702" y="2740149"/>
+            <a:off x="1169702" y="2606799"/>
             <a:ext cx="1323909" cy="475157"/>
           </a:xfrm>
           <a:prstGeom prst="straightConnector1">
@@ -4105,7 +4105,7 @@
         </p:nvCxnSpPr>
         <p:spPr>
           <a:xfrm flipH="1">
-            <a:off x="2070196" y="4158456"/>
+            <a:off x="2070196" y="4025106"/>
             <a:ext cx="438475" cy="335171"/>
           </a:xfrm>
           <a:prstGeom prst="straightConnector1">
@@ -4147,7 +4147,7 @@
         </p:nvSpPr>
         <p:spPr>
           <a:xfrm>
-            <a:off x="1678206" y="8390172"/>
+            <a:off x="1621487" y="8024717"/>
             <a:ext cx="1366355" cy="487770"/>
           </a:xfrm>
           <a:prstGeom prst="roundRect">
@@ -4200,8 +4200,8 @@
         </p:nvCxnSpPr>
         <p:spPr>
           <a:xfrm flipH="1">
-            <a:off x="3044561" y="8037808"/>
-            <a:ext cx="445634" cy="596249"/>
+            <a:off x="2987842" y="7798986"/>
+            <a:ext cx="489787" cy="469616"/>
           </a:xfrm>
           <a:prstGeom prst="straightConnector1">
             <a:avLst/>
@@ -4242,7 +4242,7 @@
         </p:nvSpPr>
         <p:spPr>
           <a:xfrm>
-            <a:off x="89034" y="5117172"/>
+            <a:off x="89034" y="4983822"/>
             <a:ext cx="2114844" cy="1056668"/>
           </a:xfrm>
           <a:prstGeom prst="flowChartDecision">
@@ -4293,13 +4293,13 @@
         </p:nvCxnSpPr>
         <p:spPr>
           <a:xfrm flipV="1">
-            <a:off x="2203878" y="4365070"/>
+            <a:off x="2203878" y="4231720"/>
             <a:ext cx="1286318" cy="1280436"/>
           </a:xfrm>
           <a:prstGeom prst="straightConnector1">
             <a:avLst/>
           </a:prstGeom>
-          <a:ln>
+          <a:ln w="19050">
             <a:tailEnd type="triangle"/>
           </a:ln>
         </p:spPr>
@@ -4336,13 +4336,13 @@
         </p:nvCxnSpPr>
         <p:spPr>
           <a:xfrm>
-            <a:off x="1146456" y="6173840"/>
+            <a:off x="1146456" y="6040490"/>
             <a:ext cx="1269129" cy="33024"/>
           </a:xfrm>
           <a:prstGeom prst="straightConnector1">
             <a:avLst/>
           </a:prstGeom>
-          <a:ln>
+          <a:ln w="19050">
             <a:tailEnd type="triangle"/>
           </a:ln>
         </p:spPr>
@@ -4375,7 +4375,7 @@
         </p:nvSpPr>
         <p:spPr>
           <a:xfrm>
-            <a:off x="1049931" y="6216624"/>
+            <a:off x="1049931" y="6083274"/>
             <a:ext cx="403508" cy="292388"/>
           </a:xfrm>
           <a:prstGeom prst="rect">
@@ -4410,7 +4410,7 @@
         </p:nvSpPr>
         <p:spPr>
           <a:xfrm>
-            <a:off x="1846408" y="5225312"/>
+            <a:off x="1846408" y="5091962"/>
             <a:ext cx="458257" cy="292388"/>
           </a:xfrm>
           <a:prstGeom prst="rect">
@@ -4449,13 +4449,13 @@
         </p:nvCxnSpPr>
         <p:spPr>
           <a:xfrm>
-            <a:off x="3490195" y="7513091"/>
+            <a:off x="3477629" y="7274269"/>
             <a:ext cx="0" cy="219917"/>
           </a:xfrm>
           <a:prstGeom prst="straightConnector1">
             <a:avLst/>
           </a:prstGeom>
-          <a:ln>
+          <a:ln w="19050">
             <a:tailEnd type="triangle"/>
           </a:ln>
         </p:spPr>
@@ -4491,9 +4491,9 @@
           <p:nvPr/>
         </p:nvCxnSpPr>
         <p:spPr>
-          <a:xfrm flipH="1" flipV="1">
-            <a:off x="874447" y="8021723"/>
-            <a:ext cx="803759" cy="612334"/>
+          <a:xfrm flipH="1">
+            <a:off x="930971" y="8268602"/>
+            <a:ext cx="690516" cy="86858"/>
           </a:xfrm>
           <a:prstGeom prst="straightConnector1">
             <a:avLst/>
@@ -4534,7 +4534,7 @@
         </p:nvSpPr>
         <p:spPr>
           <a:xfrm>
-            <a:off x="2832322" y="7220703"/>
+            <a:off x="2819756" y="6981881"/>
             <a:ext cx="1315745" cy="292388"/>
           </a:xfrm>
           <a:prstGeom prst="rect">
@@ -4573,13 +4573,13 @@
         </p:nvCxnSpPr>
         <p:spPr>
           <a:xfrm>
-            <a:off x="3432696" y="6408142"/>
+            <a:off x="3432696" y="6274792"/>
             <a:ext cx="13625" cy="298609"/>
           </a:xfrm>
           <a:prstGeom prst="straightConnector1">
             <a:avLst/>
           </a:prstGeom>
-          <a:ln>
+          <a:ln w="19050">
             <a:tailEnd type="triangle"/>
           </a:ln>
         </p:spPr>
@@ -4612,7 +4612,7 @@
         </p:nvSpPr>
         <p:spPr>
           <a:xfrm>
-            <a:off x="2449541" y="6706751"/>
+            <a:off x="2449541" y="6573401"/>
             <a:ext cx="1993559" cy="292388"/>
           </a:xfrm>
           <a:prstGeom prst="rect">
@@ -4679,7 +4679,7 @@
         </p:nvCxnSpPr>
         <p:spPr>
           <a:xfrm>
-            <a:off x="2995610" y="220378"/>
+            <a:off x="2166254" y="204135"/>
             <a:ext cx="0" cy="9753600"/>
           </a:xfrm>
           <a:prstGeom prst="line">
@@ -4720,7 +4720,7 @@
         </p:nvSpPr>
         <p:spPr>
           <a:xfrm>
-            <a:off x="740613" y="309874"/>
+            <a:off x="136810" y="325422"/>
             <a:ext cx="1935480" cy="396240"/>
           </a:xfrm>
           <a:prstGeom prst="rect">
@@ -4768,7 +4768,7 @@
         </p:nvSpPr>
         <p:spPr>
           <a:xfrm>
-            <a:off x="4132594" y="870190"/>
+            <a:off x="3303238" y="851140"/>
             <a:ext cx="114300" cy="121920"/>
           </a:xfrm>
           <a:prstGeom prst="ellipse">
@@ -4814,7 +4814,7 @@
         </p:nvSpPr>
         <p:spPr>
           <a:xfrm>
-            <a:off x="1044971" y="5239615"/>
+            <a:off x="215615" y="5220565"/>
             <a:ext cx="1790700" cy="304800"/>
           </a:xfrm>
           <a:prstGeom prst="roundRect">
@@ -4868,7 +4868,7 @@
         </p:nvSpPr>
         <p:spPr>
           <a:xfrm>
-            <a:off x="954987" y="2748199"/>
+            <a:off x="125631" y="2729149"/>
             <a:ext cx="1963049" cy="413228"/>
           </a:xfrm>
           <a:prstGeom prst="roundRect">
@@ -4929,7 +4929,7 @@
         </p:nvSpPr>
         <p:spPr>
           <a:xfrm>
-            <a:off x="2294172" y="5886750"/>
+            <a:off x="1464816" y="5867700"/>
             <a:ext cx="1402875" cy="498474"/>
           </a:xfrm>
           <a:prstGeom prst="roundRect">
@@ -4978,7 +4978,7 @@
         </p:nvSpPr>
         <p:spPr>
           <a:xfrm>
-            <a:off x="3159359" y="6545528"/>
+            <a:off x="2330003" y="6526478"/>
             <a:ext cx="1790700" cy="304800"/>
           </a:xfrm>
           <a:prstGeom prst="roundRect">
@@ -5031,7 +5031,7 @@
         </p:nvCxnSpPr>
         <p:spPr>
           <a:xfrm>
-            <a:off x="4189744" y="992110"/>
+            <a:off x="3360388" y="973060"/>
             <a:ext cx="16703" cy="338442"/>
           </a:xfrm>
           <a:prstGeom prst="straightConnector1">
@@ -5077,8 +5077,8 @@
         </p:nvCxnSpPr>
         <p:spPr>
           <a:xfrm flipH="1">
-            <a:off x="4054709" y="1664997"/>
-            <a:ext cx="151738" cy="387079"/>
+            <a:off x="3360388" y="1645947"/>
+            <a:ext cx="16703" cy="387079"/>
           </a:xfrm>
           <a:prstGeom prst="straightConnector1">
             <a:avLst/>
@@ -5123,8 +5123,8 @@
         </p:nvCxnSpPr>
         <p:spPr>
           <a:xfrm flipH="1">
-            <a:off x="1936512" y="2301541"/>
-            <a:ext cx="1108082" cy="446658"/>
+            <a:off x="1107156" y="2282491"/>
+            <a:ext cx="1243117" cy="446658"/>
           </a:xfrm>
           <a:prstGeom prst="straightConnector1">
             <a:avLst/>
@@ -5163,14 +5163,14 @@
           <p:cNvCxnSpPr>
             <a:cxnSpLocks/>
             <a:stCxn id="55" idx="3"/>
-            <a:endCxn id="94" idx="1"/>
+            <a:endCxn id="94" idx="2"/>
           </p:cNvCxnSpPr>
           <p:nvPr/>
         </p:nvCxnSpPr>
         <p:spPr>
           <a:xfrm>
-            <a:off x="5216562" y="1497775"/>
-            <a:ext cx="285965" cy="900830"/>
+            <a:off x="4387206" y="1478725"/>
+            <a:ext cx="336567" cy="1650598"/>
           </a:xfrm>
           <a:prstGeom prst="straightConnector1">
             <a:avLst/>
@@ -5215,8 +5215,8 @@
         </p:nvCxnSpPr>
         <p:spPr>
           <a:xfrm>
-            <a:off x="1936512" y="3161427"/>
-            <a:ext cx="2412917" cy="604980"/>
+            <a:off x="1107156" y="3142377"/>
+            <a:ext cx="2222431" cy="604980"/>
           </a:xfrm>
           <a:prstGeom prst="straightConnector1">
             <a:avLst/>
@@ -5261,7 +5261,7 @@
         </p:nvCxnSpPr>
         <p:spPr>
           <a:xfrm>
-            <a:off x="3697047" y="6135987"/>
+            <a:off x="2867691" y="6116937"/>
             <a:ext cx="357662" cy="409541"/>
           </a:xfrm>
           <a:prstGeom prst="straightConnector1">
@@ -5303,7 +5303,7 @@
         </p:nvSpPr>
         <p:spPr>
           <a:xfrm>
-            <a:off x="3980042" y="7275937"/>
+            <a:off x="3150686" y="7077963"/>
             <a:ext cx="150536" cy="162856"/>
           </a:xfrm>
           <a:prstGeom prst="ellipse">
@@ -5353,8 +5353,8 @@
         </p:nvCxnSpPr>
         <p:spPr>
           <a:xfrm>
-            <a:off x="4054709" y="6850328"/>
-            <a:ext cx="601" cy="425609"/>
+            <a:off x="3225353" y="6831278"/>
+            <a:ext cx="601" cy="246685"/>
           </a:xfrm>
           <a:prstGeom prst="straightConnector1">
             <a:avLst/>
@@ -5395,7 +5395,7 @@
         </p:nvSpPr>
         <p:spPr>
           <a:xfrm>
-            <a:off x="5454802" y="4792208"/>
+            <a:off x="4216579" y="5008577"/>
             <a:ext cx="1221451" cy="307777"/>
           </a:xfrm>
           <a:prstGeom prst="rect">
@@ -5435,13 +5435,13 @@
         </p:nvCxnSpPr>
         <p:spPr>
           <a:xfrm>
-            <a:off x="4527926" y="4635450"/>
-            <a:ext cx="926876" cy="310647"/>
+            <a:off x="3520073" y="4616400"/>
+            <a:ext cx="696506" cy="546066"/>
           </a:xfrm>
           <a:prstGeom prst="straightConnector1">
             <a:avLst/>
           </a:prstGeom>
-          <a:ln>
+          <a:ln w="19050">
             <a:tailEnd type="triangle"/>
           </a:ln>
         </p:spPr>
@@ -5474,7 +5474,7 @@
         </p:nvSpPr>
         <p:spPr>
           <a:xfrm>
-            <a:off x="4170932" y="4516108"/>
+            <a:off x="3163079" y="4497058"/>
             <a:ext cx="356994" cy="238684"/>
           </a:xfrm>
           <a:prstGeom prst="flowChartDecision">
@@ -5527,8 +5527,8 @@
         </p:nvCxnSpPr>
         <p:spPr>
           <a:xfrm>
-            <a:off x="4349429" y="4083519"/>
-            <a:ext cx="0" cy="432589"/>
+            <a:off x="3329587" y="4064469"/>
+            <a:ext cx="11989" cy="432589"/>
           </a:xfrm>
           <a:prstGeom prst="straightConnector1">
             <a:avLst/>
@@ -5573,8 +5573,8 @@
         </p:nvCxnSpPr>
         <p:spPr>
           <a:xfrm flipH="1">
-            <a:off x="1940321" y="4635450"/>
-            <a:ext cx="2230611" cy="604165"/>
+            <a:off x="1110965" y="4616400"/>
+            <a:ext cx="2052114" cy="604165"/>
           </a:xfrm>
           <a:prstGeom prst="straightConnector1">
             <a:avLst/>
@@ -5615,7 +5615,7 @@
         </p:nvSpPr>
         <p:spPr>
           <a:xfrm>
-            <a:off x="3196332" y="1330552"/>
+            <a:off x="2366976" y="1311502"/>
             <a:ext cx="2020230" cy="334445"/>
           </a:xfrm>
           <a:prstGeom prst="roundRect">
@@ -5672,7 +5672,7 @@
         </p:nvSpPr>
         <p:spPr>
           <a:xfrm>
-            <a:off x="3445138" y="302654"/>
+            <a:off x="2319472" y="325422"/>
             <a:ext cx="1935480" cy="396240"/>
           </a:xfrm>
           <a:prstGeom prst="rect">
@@ -5719,7 +5719,7 @@
         </p:nvSpPr>
         <p:spPr>
           <a:xfrm>
-            <a:off x="3044594" y="2052076"/>
+            <a:off x="2350273" y="2033026"/>
             <a:ext cx="2020230" cy="498929"/>
           </a:xfrm>
           <a:prstGeom prst="roundRect">
@@ -5776,7 +5776,7 @@
         </p:nvSpPr>
         <p:spPr>
           <a:xfrm>
-            <a:off x="3339314" y="3766407"/>
+            <a:off x="2319472" y="3747357"/>
             <a:ext cx="2020230" cy="317112"/>
           </a:xfrm>
           <a:prstGeom prst="roundRect">
@@ -5837,13 +5837,13 @@
         </p:nvCxnSpPr>
         <p:spPr>
           <a:xfrm>
-            <a:off x="6209974" y="1453719"/>
-            <a:ext cx="306940" cy="944886"/>
+            <a:off x="5230966" y="2505820"/>
+            <a:ext cx="0" cy="598094"/>
           </a:xfrm>
           <a:prstGeom prst="straightConnector1">
             <a:avLst/>
           </a:prstGeom>
-          <a:ln>
+          <a:ln w="19050">
             <a:tailEnd type="triangle"/>
           </a:ln>
         </p:spPr>
@@ -5876,7 +5876,7 @@
         </p:nvSpPr>
         <p:spPr>
           <a:xfrm>
-            <a:off x="5657098" y="1161331"/>
+            <a:off x="4678090" y="2213432"/>
             <a:ext cx="1105752" cy="292388"/>
           </a:xfrm>
           <a:prstGeom prst="rect">
@@ -5911,7 +5911,7 @@
         </p:nvSpPr>
         <p:spPr>
           <a:xfrm>
-            <a:off x="5502527" y="2373195"/>
+            <a:off x="4216579" y="3078504"/>
             <a:ext cx="1014387" cy="50819"/>
           </a:xfrm>
           <a:prstGeom prst="rect">
@@ -5961,8 +5961,8 @@
         </p:nvCxnSpPr>
         <p:spPr>
           <a:xfrm flipH="1">
-            <a:off x="4349429" y="2424014"/>
-            <a:ext cx="1660292" cy="1342393"/>
+            <a:off x="3329587" y="3129323"/>
+            <a:ext cx="1394186" cy="618034"/>
           </a:xfrm>
           <a:prstGeom prst="straightConnector1">
             <a:avLst/>
@@ -6003,7 +6003,7 @@
         </p:nvSpPr>
         <p:spPr>
           <a:xfrm>
-            <a:off x="4349429" y="4472913"/>
+            <a:off x="3520073" y="4586870"/>
             <a:ext cx="1560542" cy="319209"/>
           </a:xfrm>
           <a:prstGeom prst="rect">
@@ -6039,7 +6039,7 @@
         </p:nvSpPr>
         <p:spPr>
           <a:xfrm>
-            <a:off x="2610390" y="4528894"/>
+            <a:off x="1769045" y="4395750"/>
             <a:ext cx="1560542" cy="319209"/>
           </a:xfrm>
           <a:prstGeom prst="rect">
@@ -6079,7 +6079,7 @@
         </p:nvCxnSpPr>
         <p:spPr>
           <a:xfrm>
-            <a:off x="1940321" y="5544415"/>
+            <a:off x="1110965" y="5525365"/>
             <a:ext cx="1055289" cy="342335"/>
           </a:xfrm>
           <a:prstGeom prst="straightConnector1">
